--- a/My Little Observer 각자 ppt/태정/My Little Observer.pptx
+++ b/My Little Observer 각자 ppt/태정/My Little Observer.pptx
@@ -5,10 +5,15 @@
     <p:sldMasterId id="2147483648" r:id="rId1"/>
   </p:sldMasterIdLst>
   <p:notesMasterIdLst>
-    <p:notesMasterId r:id="rId3"/>
+    <p:notesMasterId r:id="rId8"/>
   </p:notesMasterIdLst>
   <p:sldIdLst>
     <p:sldId id="261" r:id="rId2"/>
+    <p:sldId id="262" r:id="rId3"/>
+    <p:sldId id="263" r:id="rId4"/>
+    <p:sldId id="264" r:id="rId5"/>
+    <p:sldId id="265" r:id="rId6"/>
+    <p:sldId id="266" r:id="rId7"/>
   </p:sldIdLst>
   <p:sldSz cx="12192000" cy="6858000"/>
   <p:notesSz cx="6858000" cy="9144000"/>
@@ -545,6 +550,456 @@
     <p:extLst>
       <p:ext uri="{BB962C8B-B14F-4D97-AF65-F5344CB8AC3E}">
         <p14:creationId xmlns:p14="http://schemas.microsoft.com/office/powerpoint/2010/main" val="3824429216"/>
+      </p:ext>
+    </p:extLst>
+  </p:cSld>
+  <p:clrMapOvr>
+    <a:masterClrMapping/>
+  </p:clrMapOvr>
+</p:notes>
+</file>
+
+<file path=ppt/notesSlides/notesSlide2.xml><?xml version="1.0" encoding="utf-8"?>
+<p:notes xmlns:a="http://schemas.openxmlformats.org/drawingml/2006/main" xmlns:r="http://schemas.openxmlformats.org/officeDocument/2006/relationships" xmlns:p="http://schemas.openxmlformats.org/presentationml/2006/main">
+  <p:cSld>
+    <p:spTree>
+      <p:nvGrpSpPr>
+        <p:cNvPr id="1" name=""/>
+        <p:cNvGrpSpPr/>
+        <p:nvPr/>
+      </p:nvGrpSpPr>
+      <p:grpSpPr>
+        <a:xfrm>
+          <a:off x="0" y="0"/>
+          <a:ext cx="0" cy="0"/>
+          <a:chOff x="0" y="0"/>
+          <a:chExt cx="0" cy="0"/>
+        </a:xfrm>
+      </p:grpSpPr>
+      <p:sp>
+        <p:nvSpPr>
+          <p:cNvPr id="2" name="슬라이드 이미지 개체 틀 1"/>
+          <p:cNvSpPr>
+            <a:spLocks noGrp="1" noRot="1" noChangeAspect="1"/>
+          </p:cNvSpPr>
+          <p:nvPr>
+            <p:ph type="sldImg"/>
+          </p:nvPr>
+        </p:nvSpPr>
+        <p:spPr/>
+      </p:sp>
+      <p:sp>
+        <p:nvSpPr>
+          <p:cNvPr id="3" name="슬라이드 노트 개체 틀 2"/>
+          <p:cNvSpPr>
+            <a:spLocks noGrp="1"/>
+          </p:cNvSpPr>
+          <p:nvPr>
+            <p:ph type="body" idx="1"/>
+          </p:nvPr>
+        </p:nvSpPr>
+        <p:spPr/>
+        <p:txBody>
+          <a:bodyPr/>
+          <a:lstStyle/>
+          <a:p>
+            <a:r>
+              <a:rPr lang="en-US" altLang="ko-KR" dirty="0">
+                <a:hlinkClick r:id="rId3"/>
+              </a:rPr>
+              <a:t>https://ko.aliexpress.com/item/32950536539.html?spm=a2g0o.productlist.0.0.31c7b4d2mHv1JK&amp;algo_pvid=4d6af474-9c97-4e99-97aa-7aa72a0fafda&amp;algo_expid=4d6af474-9c97-4e99-97aa-7aa72a0fafda-13&amp;btsid=308bf930-99ff-4af6-8098-4aba8fef8b88&amp;ws_ab_test=searchweb0_0,searchweb201602_6,searchweb201603_55</a:t>
+            </a:r>
+            <a:endParaRPr lang="ko-KR" altLang="en-US" dirty="0"/>
+          </a:p>
+        </p:txBody>
+      </p:sp>
+      <p:sp>
+        <p:nvSpPr>
+          <p:cNvPr id="4" name="슬라이드 번호 개체 틀 3"/>
+          <p:cNvSpPr>
+            <a:spLocks noGrp="1"/>
+          </p:cNvSpPr>
+          <p:nvPr>
+            <p:ph type="sldNum" sz="quarter" idx="5"/>
+          </p:nvPr>
+        </p:nvSpPr>
+        <p:spPr/>
+        <p:txBody>
+          <a:bodyPr/>
+          <a:lstStyle/>
+          <a:p>
+            <a:fld id="{EC5AADB9-CD7B-47F7-82AC-4DD8FC1B7DF7}" type="slidenum">
+              <a:rPr lang="ko-KR" altLang="en-US" smtClean="0"/>
+              <a:t>2</a:t>
+            </a:fld>
+            <a:endParaRPr lang="ko-KR" altLang="en-US"/>
+          </a:p>
+        </p:txBody>
+      </p:sp>
+    </p:spTree>
+    <p:extLst>
+      <p:ext uri="{BB962C8B-B14F-4D97-AF65-F5344CB8AC3E}">
+        <p14:creationId xmlns:p14="http://schemas.microsoft.com/office/powerpoint/2010/main" val="2954415823"/>
+      </p:ext>
+    </p:extLst>
+  </p:cSld>
+  <p:clrMapOvr>
+    <a:masterClrMapping/>
+  </p:clrMapOvr>
+</p:notes>
+</file>
+
+<file path=ppt/notesSlides/notesSlide3.xml><?xml version="1.0" encoding="utf-8"?>
+<p:notes xmlns:a="http://schemas.openxmlformats.org/drawingml/2006/main" xmlns:r="http://schemas.openxmlformats.org/officeDocument/2006/relationships" xmlns:p="http://schemas.openxmlformats.org/presentationml/2006/main">
+  <p:cSld>
+    <p:spTree>
+      <p:nvGrpSpPr>
+        <p:cNvPr id="1" name=""/>
+        <p:cNvGrpSpPr/>
+        <p:nvPr/>
+      </p:nvGrpSpPr>
+      <p:grpSpPr>
+        <a:xfrm>
+          <a:off x="0" y="0"/>
+          <a:ext cx="0" cy="0"/>
+          <a:chOff x="0" y="0"/>
+          <a:chExt cx="0" cy="0"/>
+        </a:xfrm>
+      </p:grpSpPr>
+      <p:sp>
+        <p:nvSpPr>
+          <p:cNvPr id="2" name="슬라이드 이미지 개체 틀 1"/>
+          <p:cNvSpPr>
+            <a:spLocks noGrp="1" noRot="1" noChangeAspect="1"/>
+          </p:cNvSpPr>
+          <p:nvPr>
+            <p:ph type="sldImg"/>
+          </p:nvPr>
+        </p:nvSpPr>
+        <p:spPr/>
+      </p:sp>
+      <p:sp>
+        <p:nvSpPr>
+          <p:cNvPr id="3" name="슬라이드 노트 개체 틀 2"/>
+          <p:cNvSpPr>
+            <a:spLocks noGrp="1"/>
+          </p:cNvSpPr>
+          <p:nvPr>
+            <p:ph type="body" idx="1"/>
+          </p:nvPr>
+        </p:nvSpPr>
+        <p:spPr/>
+        <p:txBody>
+          <a:bodyPr/>
+          <a:lstStyle/>
+          <a:p>
+            <a:r>
+              <a:rPr lang="en-US" altLang="ko-KR" dirty="0">
+                <a:hlinkClick r:id="rId3"/>
+              </a:rPr>
+              <a:t>https://ko.aliexpress.com/item/32950536539.html?spm=a2g0o.productlist.0.0.31c7b4d2mHv1JK&amp;algo_pvid=4d6af474-9c97-4e99-97aa-7aa72a0fafda&amp;algo_expid=4d6af474-9c97-4e99-97aa-7aa72a0fafda-13&amp;btsid=308bf930-99ff-4af6-8098-4aba8fef8b88&amp;ws_ab_test=searchweb0_0,searchweb201602_6,searchweb201603_55</a:t>
+            </a:r>
+            <a:endParaRPr lang="ko-KR" altLang="en-US" dirty="0"/>
+          </a:p>
+        </p:txBody>
+      </p:sp>
+      <p:sp>
+        <p:nvSpPr>
+          <p:cNvPr id="4" name="슬라이드 번호 개체 틀 3"/>
+          <p:cNvSpPr>
+            <a:spLocks noGrp="1"/>
+          </p:cNvSpPr>
+          <p:nvPr>
+            <p:ph type="sldNum" sz="quarter" idx="5"/>
+          </p:nvPr>
+        </p:nvSpPr>
+        <p:spPr/>
+        <p:txBody>
+          <a:bodyPr/>
+          <a:lstStyle/>
+          <a:p>
+            <a:fld id="{EC5AADB9-CD7B-47F7-82AC-4DD8FC1B7DF7}" type="slidenum">
+              <a:rPr lang="ko-KR" altLang="en-US" smtClean="0"/>
+              <a:t>3</a:t>
+            </a:fld>
+            <a:endParaRPr lang="ko-KR" altLang="en-US"/>
+          </a:p>
+        </p:txBody>
+      </p:sp>
+    </p:spTree>
+    <p:extLst>
+      <p:ext uri="{BB962C8B-B14F-4D97-AF65-F5344CB8AC3E}">
+        <p14:creationId xmlns:p14="http://schemas.microsoft.com/office/powerpoint/2010/main" val="2448650812"/>
+      </p:ext>
+    </p:extLst>
+  </p:cSld>
+  <p:clrMapOvr>
+    <a:masterClrMapping/>
+  </p:clrMapOvr>
+</p:notes>
+</file>
+
+<file path=ppt/notesSlides/notesSlide4.xml><?xml version="1.0" encoding="utf-8"?>
+<p:notes xmlns:a="http://schemas.openxmlformats.org/drawingml/2006/main" xmlns:r="http://schemas.openxmlformats.org/officeDocument/2006/relationships" xmlns:p="http://schemas.openxmlformats.org/presentationml/2006/main">
+  <p:cSld>
+    <p:spTree>
+      <p:nvGrpSpPr>
+        <p:cNvPr id="1" name=""/>
+        <p:cNvGrpSpPr/>
+        <p:nvPr/>
+      </p:nvGrpSpPr>
+      <p:grpSpPr>
+        <a:xfrm>
+          <a:off x="0" y="0"/>
+          <a:ext cx="0" cy="0"/>
+          <a:chOff x="0" y="0"/>
+          <a:chExt cx="0" cy="0"/>
+        </a:xfrm>
+      </p:grpSpPr>
+      <p:sp>
+        <p:nvSpPr>
+          <p:cNvPr id="2" name="슬라이드 이미지 개체 틀 1"/>
+          <p:cNvSpPr>
+            <a:spLocks noGrp="1" noRot="1" noChangeAspect="1"/>
+          </p:cNvSpPr>
+          <p:nvPr>
+            <p:ph type="sldImg"/>
+          </p:nvPr>
+        </p:nvSpPr>
+        <p:spPr/>
+      </p:sp>
+      <p:sp>
+        <p:nvSpPr>
+          <p:cNvPr id="3" name="슬라이드 노트 개체 틀 2"/>
+          <p:cNvSpPr>
+            <a:spLocks noGrp="1"/>
+          </p:cNvSpPr>
+          <p:nvPr>
+            <p:ph type="body" idx="1"/>
+          </p:nvPr>
+        </p:nvSpPr>
+        <p:spPr/>
+        <p:txBody>
+          <a:bodyPr/>
+          <a:lstStyle/>
+          <a:p>
+            <a:r>
+              <a:rPr lang="en-US" altLang="ko-KR" dirty="0">
+                <a:hlinkClick r:id="rId3"/>
+              </a:rPr>
+              <a:t>https://ko.aliexpress.com/item/32950536539.html?spm=a2g0o.productlist.0.0.31c7b4d2mHv1JK&amp;algo_pvid=4d6af474-9c97-4e99-97aa-7aa72a0fafda&amp;algo_expid=4d6af474-9c97-4e99-97aa-7aa72a0fafda-13&amp;btsid=308bf930-99ff-4af6-8098-4aba8fef8b88&amp;ws_ab_test=searchweb0_0,searchweb201602_6,searchweb201603_55</a:t>
+            </a:r>
+            <a:endParaRPr lang="ko-KR" altLang="en-US" dirty="0"/>
+          </a:p>
+        </p:txBody>
+      </p:sp>
+      <p:sp>
+        <p:nvSpPr>
+          <p:cNvPr id="4" name="슬라이드 번호 개체 틀 3"/>
+          <p:cNvSpPr>
+            <a:spLocks noGrp="1"/>
+          </p:cNvSpPr>
+          <p:nvPr>
+            <p:ph type="sldNum" sz="quarter" idx="5"/>
+          </p:nvPr>
+        </p:nvSpPr>
+        <p:spPr/>
+        <p:txBody>
+          <a:bodyPr/>
+          <a:lstStyle/>
+          <a:p>
+            <a:fld id="{EC5AADB9-CD7B-47F7-82AC-4DD8FC1B7DF7}" type="slidenum">
+              <a:rPr lang="ko-KR" altLang="en-US" smtClean="0"/>
+              <a:t>4</a:t>
+            </a:fld>
+            <a:endParaRPr lang="ko-KR" altLang="en-US"/>
+          </a:p>
+        </p:txBody>
+      </p:sp>
+    </p:spTree>
+    <p:extLst>
+      <p:ext uri="{BB962C8B-B14F-4D97-AF65-F5344CB8AC3E}">
+        <p14:creationId xmlns:p14="http://schemas.microsoft.com/office/powerpoint/2010/main" val="1737916690"/>
+      </p:ext>
+    </p:extLst>
+  </p:cSld>
+  <p:clrMapOvr>
+    <a:masterClrMapping/>
+  </p:clrMapOvr>
+</p:notes>
+</file>
+
+<file path=ppt/notesSlides/notesSlide5.xml><?xml version="1.0" encoding="utf-8"?>
+<p:notes xmlns:a="http://schemas.openxmlformats.org/drawingml/2006/main" xmlns:r="http://schemas.openxmlformats.org/officeDocument/2006/relationships" xmlns:p="http://schemas.openxmlformats.org/presentationml/2006/main">
+  <p:cSld>
+    <p:spTree>
+      <p:nvGrpSpPr>
+        <p:cNvPr id="1" name=""/>
+        <p:cNvGrpSpPr/>
+        <p:nvPr/>
+      </p:nvGrpSpPr>
+      <p:grpSpPr>
+        <a:xfrm>
+          <a:off x="0" y="0"/>
+          <a:ext cx="0" cy="0"/>
+          <a:chOff x="0" y="0"/>
+          <a:chExt cx="0" cy="0"/>
+        </a:xfrm>
+      </p:grpSpPr>
+      <p:sp>
+        <p:nvSpPr>
+          <p:cNvPr id="2" name="슬라이드 이미지 개체 틀 1"/>
+          <p:cNvSpPr>
+            <a:spLocks noGrp="1" noRot="1" noChangeAspect="1"/>
+          </p:cNvSpPr>
+          <p:nvPr>
+            <p:ph type="sldImg"/>
+          </p:nvPr>
+        </p:nvSpPr>
+        <p:spPr/>
+      </p:sp>
+      <p:sp>
+        <p:nvSpPr>
+          <p:cNvPr id="3" name="슬라이드 노트 개체 틀 2"/>
+          <p:cNvSpPr>
+            <a:spLocks noGrp="1"/>
+          </p:cNvSpPr>
+          <p:nvPr>
+            <p:ph type="body" idx="1"/>
+          </p:nvPr>
+        </p:nvSpPr>
+        <p:spPr/>
+        <p:txBody>
+          <a:bodyPr/>
+          <a:lstStyle/>
+          <a:p>
+            <a:r>
+              <a:rPr lang="en-US" altLang="ko-KR" dirty="0">
+                <a:hlinkClick r:id="rId3"/>
+              </a:rPr>
+              <a:t>https://ko.aliexpress.com/item/32950536539.html?spm=a2g0o.productlist.0.0.31c7b4d2mHv1JK&amp;algo_pvid=4d6af474-9c97-4e99-97aa-7aa72a0fafda&amp;algo_expid=4d6af474-9c97-4e99-97aa-7aa72a0fafda-13&amp;btsid=308bf930-99ff-4af6-8098-4aba8fef8b88&amp;ws_ab_test=searchweb0_0,searchweb201602_6,searchweb201603_55</a:t>
+            </a:r>
+            <a:endParaRPr lang="ko-KR" altLang="en-US" dirty="0"/>
+          </a:p>
+        </p:txBody>
+      </p:sp>
+      <p:sp>
+        <p:nvSpPr>
+          <p:cNvPr id="4" name="슬라이드 번호 개체 틀 3"/>
+          <p:cNvSpPr>
+            <a:spLocks noGrp="1"/>
+          </p:cNvSpPr>
+          <p:nvPr>
+            <p:ph type="sldNum" sz="quarter" idx="5"/>
+          </p:nvPr>
+        </p:nvSpPr>
+        <p:spPr/>
+        <p:txBody>
+          <a:bodyPr/>
+          <a:lstStyle/>
+          <a:p>
+            <a:fld id="{EC5AADB9-CD7B-47F7-82AC-4DD8FC1B7DF7}" type="slidenum">
+              <a:rPr lang="ko-KR" altLang="en-US" smtClean="0"/>
+              <a:t>5</a:t>
+            </a:fld>
+            <a:endParaRPr lang="ko-KR" altLang="en-US"/>
+          </a:p>
+        </p:txBody>
+      </p:sp>
+    </p:spTree>
+    <p:extLst>
+      <p:ext uri="{BB962C8B-B14F-4D97-AF65-F5344CB8AC3E}">
+        <p14:creationId xmlns:p14="http://schemas.microsoft.com/office/powerpoint/2010/main" val="3185222761"/>
+      </p:ext>
+    </p:extLst>
+  </p:cSld>
+  <p:clrMapOvr>
+    <a:masterClrMapping/>
+  </p:clrMapOvr>
+</p:notes>
+</file>
+
+<file path=ppt/notesSlides/notesSlide6.xml><?xml version="1.0" encoding="utf-8"?>
+<p:notes xmlns:a="http://schemas.openxmlformats.org/drawingml/2006/main" xmlns:r="http://schemas.openxmlformats.org/officeDocument/2006/relationships" xmlns:p="http://schemas.openxmlformats.org/presentationml/2006/main">
+  <p:cSld>
+    <p:spTree>
+      <p:nvGrpSpPr>
+        <p:cNvPr id="1" name=""/>
+        <p:cNvGrpSpPr/>
+        <p:nvPr/>
+      </p:nvGrpSpPr>
+      <p:grpSpPr>
+        <a:xfrm>
+          <a:off x="0" y="0"/>
+          <a:ext cx="0" cy="0"/>
+          <a:chOff x="0" y="0"/>
+          <a:chExt cx="0" cy="0"/>
+        </a:xfrm>
+      </p:grpSpPr>
+      <p:sp>
+        <p:nvSpPr>
+          <p:cNvPr id="2" name="슬라이드 이미지 개체 틀 1"/>
+          <p:cNvSpPr>
+            <a:spLocks noGrp="1" noRot="1" noChangeAspect="1"/>
+          </p:cNvSpPr>
+          <p:nvPr>
+            <p:ph type="sldImg"/>
+          </p:nvPr>
+        </p:nvSpPr>
+        <p:spPr/>
+      </p:sp>
+      <p:sp>
+        <p:nvSpPr>
+          <p:cNvPr id="3" name="슬라이드 노트 개체 틀 2"/>
+          <p:cNvSpPr>
+            <a:spLocks noGrp="1"/>
+          </p:cNvSpPr>
+          <p:nvPr>
+            <p:ph type="body" idx="1"/>
+          </p:nvPr>
+        </p:nvSpPr>
+        <p:spPr/>
+        <p:txBody>
+          <a:bodyPr/>
+          <a:lstStyle/>
+          <a:p>
+            <a:r>
+              <a:rPr lang="en-US" altLang="ko-KR" dirty="0">
+                <a:hlinkClick r:id="rId3"/>
+              </a:rPr>
+              <a:t>https://ko.aliexpress.com/item/32950536539.html?spm=a2g0o.productlist.0.0.31c7b4d2mHv1JK&amp;algo_pvid=4d6af474-9c97-4e99-97aa-7aa72a0fafda&amp;algo_expid=4d6af474-9c97-4e99-97aa-7aa72a0fafda-13&amp;btsid=308bf930-99ff-4af6-8098-4aba8fef8b88&amp;ws_ab_test=searchweb0_0,searchweb201602_6,searchweb201603_55</a:t>
+            </a:r>
+            <a:endParaRPr lang="ko-KR" altLang="en-US" dirty="0"/>
+          </a:p>
+        </p:txBody>
+      </p:sp>
+      <p:sp>
+        <p:nvSpPr>
+          <p:cNvPr id="4" name="슬라이드 번호 개체 틀 3"/>
+          <p:cNvSpPr>
+            <a:spLocks noGrp="1"/>
+          </p:cNvSpPr>
+          <p:nvPr>
+            <p:ph type="sldNum" sz="quarter" idx="5"/>
+          </p:nvPr>
+        </p:nvSpPr>
+        <p:spPr/>
+        <p:txBody>
+          <a:bodyPr/>
+          <a:lstStyle/>
+          <a:p>
+            <a:fld id="{EC5AADB9-CD7B-47F7-82AC-4DD8FC1B7DF7}" type="slidenum">
+              <a:rPr lang="ko-KR" altLang="en-US" smtClean="0"/>
+              <a:t>6</a:t>
+            </a:fld>
+            <a:endParaRPr lang="ko-KR" altLang="en-US"/>
+          </a:p>
+        </p:txBody>
+      </p:sp>
+    </p:spTree>
+    <p:extLst>
+      <p:ext uri="{BB962C8B-B14F-4D97-AF65-F5344CB8AC3E}">
+        <p14:creationId xmlns:p14="http://schemas.microsoft.com/office/powerpoint/2010/main" val="16414214"/>
       </p:ext>
     </p:extLst>
   </p:cSld>
@@ -4310,9 +4765,12 @@
             </a:pPr>
             <a:r>
               <a:rPr lang="ko-KR" altLang="en-US" sz="3000" dirty="0" smtClean="0"/>
-              <a:t>통신 방법</a:t>
-            </a:r>
-            <a:endParaRPr lang="en-US" altLang="ko-KR" sz="3000" dirty="0" smtClean="0"/>
+              <a:t>통신 </a:t>
+            </a:r>
+            <a:r>
+              <a:rPr lang="ko-KR" altLang="en-US" sz="3000" dirty="0" smtClean="0"/>
+              <a:t>방법</a:t>
+            </a:r>
           </a:p>
           <a:p>
             <a:pPr marL="457200" indent="-457200">
@@ -4321,16 +4779,2845 @@
             </a:pPr>
             <a:r>
               <a:rPr lang="ko-KR" altLang="en-US" sz="3000" dirty="0" smtClean="0"/>
-              <a:t>하드웨어</a:t>
+              <a:t>결론</a:t>
             </a:r>
             <a:endParaRPr lang="ko-KR" altLang="en-US" sz="3000" dirty="0"/>
           </a:p>
         </p:txBody>
       </p:sp>
+      <p:pic>
+        <p:nvPicPr>
+          <p:cNvPr id="2" name="그림 1"/>
+          <p:cNvPicPr>
+            <a:picLocks noChangeAspect="1"/>
+          </p:cNvPicPr>
+          <p:nvPr/>
+        </p:nvPicPr>
+        <p:blipFill>
+          <a:blip r:embed="rId3"/>
+          <a:stretch>
+            <a:fillRect/>
+          </a:stretch>
+        </p:blipFill>
+        <p:spPr>
+          <a:xfrm>
+            <a:off x="1431925" y="1745296"/>
+            <a:ext cx="2933700" cy="3533775"/>
+          </a:xfrm>
+          <a:prstGeom prst="rect">
+            <a:avLst/>
+          </a:prstGeom>
+        </p:spPr>
+      </p:pic>
+      <p:pic>
+        <p:nvPicPr>
+          <p:cNvPr id="8" name="그림 7" descr="shinlucky's Archive ~ 쓸만한 &lt;strong&gt;버튼&lt;/strong&gt; 모음(psd File) ~"/>
+          <p:cNvPicPr>
+            <a:picLocks noChangeAspect="1"/>
+          </p:cNvPicPr>
+          <p:nvPr/>
+        </p:nvPicPr>
+        <p:blipFill>
+          <a:blip r:embed="rId4" cstate="hqprint">
+            <a:extLst>
+              <a:ext uri="{28A0092B-C50C-407E-A947-70E740481C1C}">
+                <a14:useLocalDpi xmlns:a14="http://schemas.microsoft.com/office/drawing/2010/main" val="0"/>
+              </a:ext>
+            </a:extLst>
+          </a:blip>
+          <a:stretch>
+            <a:fillRect/>
+          </a:stretch>
+        </p:blipFill>
+        <p:spPr>
+          <a:xfrm>
+            <a:off x="2636230" y="3130549"/>
+            <a:ext cx="627669" cy="502135"/>
+          </a:xfrm>
+          <a:prstGeom prst="rect">
+            <a:avLst/>
+          </a:prstGeom>
+        </p:spPr>
+      </p:pic>
     </p:spTree>
     <p:extLst>
       <p:ext uri="{BB962C8B-B14F-4D97-AF65-F5344CB8AC3E}">
         <p14:creationId xmlns:p14="http://schemas.microsoft.com/office/powerpoint/2010/main" val="937409480"/>
+      </p:ext>
+    </p:extLst>
+  </p:cSld>
+  <p:clrMapOvr>
+    <a:masterClrMapping/>
+  </p:clrMapOvr>
+</p:sld>
+</file>
+
+<file path=ppt/slides/slide2.xml><?xml version="1.0" encoding="utf-8"?>
+<p:sld xmlns:a="http://schemas.openxmlformats.org/drawingml/2006/main" xmlns:r="http://schemas.openxmlformats.org/officeDocument/2006/relationships" xmlns:p="http://schemas.openxmlformats.org/presentationml/2006/main">
+  <p:cSld>
+    <p:spTree>
+      <p:nvGrpSpPr>
+        <p:cNvPr id="1" name=""/>
+        <p:cNvGrpSpPr/>
+        <p:nvPr/>
+      </p:nvGrpSpPr>
+      <p:grpSpPr>
+        <a:xfrm>
+          <a:off x="0" y="0"/>
+          <a:ext cx="0" cy="0"/>
+          <a:chOff x="0" y="0"/>
+          <a:chExt cx="0" cy="0"/>
+        </a:xfrm>
+      </p:grpSpPr>
+      <p:sp>
+        <p:nvSpPr>
+          <p:cNvPr id="6" name="직사각형 5">
+            <a:extLst>
+              <a:ext uri="{FF2B5EF4-FFF2-40B4-BE49-F238E27FC236}">
+                <a16:creationId xmlns:a16="http://schemas.microsoft.com/office/drawing/2014/main" id="{84233781-F6D4-426C-8024-E3B41A94EC04}"/>
+              </a:ext>
+            </a:extLst>
+          </p:cNvPr>
+          <p:cNvSpPr/>
+          <p:nvPr/>
+        </p:nvSpPr>
+        <p:spPr>
+          <a:xfrm>
+            <a:off x="568325" y="755650"/>
+            <a:ext cx="10987643" cy="5686425"/>
+          </a:xfrm>
+          <a:prstGeom prst="rect">
+            <a:avLst/>
+          </a:prstGeom>
+          <a:solidFill>
+            <a:schemeClr val="bg1"/>
+          </a:solidFill>
+          <a:ln w="38100">
+            <a:solidFill>
+              <a:schemeClr val="tx1"/>
+            </a:solidFill>
+          </a:ln>
+        </p:spPr>
+        <p:style>
+          <a:lnRef idx="2">
+            <a:schemeClr val="accent1">
+              <a:shade val="50000"/>
+            </a:schemeClr>
+          </a:lnRef>
+          <a:fillRef idx="1">
+            <a:schemeClr val="accent1"/>
+          </a:fillRef>
+          <a:effectRef idx="0">
+            <a:schemeClr val="accent1"/>
+          </a:effectRef>
+          <a:fontRef idx="minor">
+            <a:schemeClr val="lt1"/>
+          </a:fontRef>
+        </p:style>
+        <p:txBody>
+          <a:bodyPr rtlCol="0" anchor="ctr"/>
+          <a:lstStyle/>
+          <a:p>
+            <a:pPr algn="ctr"/>
+            <a:r>
+              <a:rPr lang="ko-KR" altLang="en-US" dirty="0" err="1" smtClean="0"/>
+              <a:t>ㅇㅇㅇ</a:t>
+            </a:r>
+            <a:endParaRPr lang="ko-KR" altLang="en-US" dirty="0"/>
+          </a:p>
+        </p:txBody>
+      </p:sp>
+      <p:sp>
+        <p:nvSpPr>
+          <p:cNvPr id="3" name="부제목 2">
+            <a:extLst>
+              <a:ext uri="{FF2B5EF4-FFF2-40B4-BE49-F238E27FC236}">
+                <a16:creationId xmlns:a16="http://schemas.microsoft.com/office/drawing/2014/main" id="{674FD067-C169-49B1-B28F-6154B60AAE62}"/>
+              </a:ext>
+            </a:extLst>
+          </p:cNvPr>
+          <p:cNvSpPr>
+            <a:spLocks noGrp="1"/>
+          </p:cNvSpPr>
+          <p:nvPr>
+            <p:ph type="subTitle" idx="1"/>
+          </p:nvPr>
+        </p:nvSpPr>
+        <p:spPr>
+          <a:xfrm>
+            <a:off x="899480" y="425373"/>
+            <a:ext cx="4728839" cy="660554"/>
+          </a:xfrm>
+          <a:solidFill>
+            <a:schemeClr val="bg1"/>
+          </a:solidFill>
+          <a:ln w="34925">
+            <a:solidFill>
+              <a:schemeClr val="tx1">
+                <a:alpha val="97000"/>
+              </a:schemeClr>
+            </a:solidFill>
+          </a:ln>
+        </p:spPr>
+        <p:txBody>
+          <a:bodyPr>
+            <a:noAutofit/>
+          </a:bodyPr>
+          <a:lstStyle/>
+          <a:p>
+            <a:r>
+              <a:rPr lang="ko-KR" altLang="en-US" sz="3000" dirty="0" smtClean="0"/>
+              <a:t>구동방식</a:t>
+            </a:r>
+            <a:endParaRPr lang="en-US" altLang="ko-KR" sz="3000" dirty="0" smtClean="0"/>
+          </a:p>
+          <a:p>
+            <a:endParaRPr lang="ko-KR" altLang="en-US" sz="3000" dirty="0"/>
+          </a:p>
+        </p:txBody>
+      </p:sp>
+      <p:pic>
+        <p:nvPicPr>
+          <p:cNvPr id="8" name="그림 7" descr="키즈 학교 교육 &lt;strong&gt;아이&lt;/strong&gt; · Pixabay의 무료 이미지"/>
+          <p:cNvPicPr>
+            <a:picLocks noChangeAspect="1"/>
+          </p:cNvPicPr>
+          <p:nvPr/>
+        </p:nvPicPr>
+        <p:blipFill>
+          <a:blip r:embed="rId3" cstate="hqprint">
+            <a:extLst>
+              <a:ext uri="{28A0092B-C50C-407E-A947-70E740481C1C}">
+                <a14:useLocalDpi xmlns:a14="http://schemas.microsoft.com/office/drawing/2010/main" val="0"/>
+              </a:ext>
+            </a:extLst>
+          </a:blip>
+          <a:stretch>
+            <a:fillRect/>
+          </a:stretch>
+        </p:blipFill>
+        <p:spPr>
+          <a:xfrm>
+            <a:off x="3738046" y="3287314"/>
+            <a:ext cx="2324100" cy="1573610"/>
+          </a:xfrm>
+          <a:prstGeom prst="rect">
+            <a:avLst/>
+          </a:prstGeom>
+        </p:spPr>
+      </p:pic>
+      <p:sp>
+        <p:nvSpPr>
+          <p:cNvPr id="9" name="부제목 2">
+            <a:extLst>
+              <a:ext uri="{FF2B5EF4-FFF2-40B4-BE49-F238E27FC236}">
+                <a16:creationId xmlns:a16="http://schemas.microsoft.com/office/drawing/2014/main" id="{674FD067-C169-49B1-B28F-6154B60AAE62}"/>
+              </a:ext>
+            </a:extLst>
+          </p:cNvPr>
+          <p:cNvSpPr txBox="1">
+            <a:spLocks/>
+          </p:cNvSpPr>
+          <p:nvPr/>
+        </p:nvSpPr>
+        <p:spPr>
+          <a:xfrm>
+            <a:off x="6788150" y="2324101"/>
+            <a:ext cx="3145469" cy="2158999"/>
+          </a:xfrm>
+          <a:prstGeom prst="rect">
+            <a:avLst/>
+          </a:prstGeom>
+          <a:solidFill>
+            <a:schemeClr val="bg1"/>
+          </a:solidFill>
+          <a:ln w="34925">
+            <a:solidFill>
+              <a:schemeClr val="tx1">
+                <a:alpha val="97000"/>
+              </a:schemeClr>
+            </a:solidFill>
+          </a:ln>
+        </p:spPr>
+        <p:txBody>
+          <a:bodyPr vert="horz" lIns="91440" tIns="45720" rIns="91440" bIns="45720" rtlCol="0">
+            <a:noAutofit/>
+          </a:bodyPr>
+          <a:lstStyle>
+            <a:lvl1pPr marL="0" indent="0" algn="ctr" defTabSz="914400" rtl="0" eaLnBrk="1" latinLnBrk="1" hangingPunct="1">
+              <a:lnSpc>
+                <a:spcPct val="90000"/>
+              </a:lnSpc>
+              <a:spcBef>
+                <a:spcPts val="1000"/>
+              </a:spcBef>
+              <a:buFont typeface="Arial" panose="020B0604020202020204" pitchFamily="34" charset="0"/>
+              <a:buNone/>
+              <a:defRPr sz="2400" kern="1200">
+                <a:solidFill>
+                  <a:schemeClr val="tx1"/>
+                </a:solidFill>
+                <a:latin typeface="+mn-lt"/>
+                <a:ea typeface="+mn-ea"/>
+                <a:cs typeface="+mn-cs"/>
+              </a:defRPr>
+            </a:lvl1pPr>
+            <a:lvl2pPr marL="457200" indent="0" algn="ctr" defTabSz="914400" rtl="0" eaLnBrk="1" latinLnBrk="1" hangingPunct="1">
+              <a:lnSpc>
+                <a:spcPct val="90000"/>
+              </a:lnSpc>
+              <a:spcBef>
+                <a:spcPts val="500"/>
+              </a:spcBef>
+              <a:buFont typeface="Arial" panose="020B0604020202020204" pitchFamily="34" charset="0"/>
+              <a:buNone/>
+              <a:defRPr sz="2000" kern="1200">
+                <a:solidFill>
+                  <a:schemeClr val="tx1"/>
+                </a:solidFill>
+                <a:latin typeface="+mn-lt"/>
+                <a:ea typeface="+mn-ea"/>
+                <a:cs typeface="+mn-cs"/>
+              </a:defRPr>
+            </a:lvl2pPr>
+            <a:lvl3pPr marL="914400" indent="0" algn="ctr" defTabSz="914400" rtl="0" eaLnBrk="1" latinLnBrk="1" hangingPunct="1">
+              <a:lnSpc>
+                <a:spcPct val="90000"/>
+              </a:lnSpc>
+              <a:spcBef>
+                <a:spcPts val="500"/>
+              </a:spcBef>
+              <a:buFont typeface="Arial" panose="020B0604020202020204" pitchFamily="34" charset="0"/>
+              <a:buNone/>
+              <a:defRPr sz="1800" kern="1200">
+                <a:solidFill>
+                  <a:schemeClr val="tx1"/>
+                </a:solidFill>
+                <a:latin typeface="+mn-lt"/>
+                <a:ea typeface="+mn-ea"/>
+                <a:cs typeface="+mn-cs"/>
+              </a:defRPr>
+            </a:lvl3pPr>
+            <a:lvl4pPr marL="1371600" indent="0" algn="ctr" defTabSz="914400" rtl="0" eaLnBrk="1" latinLnBrk="1" hangingPunct="1">
+              <a:lnSpc>
+                <a:spcPct val="90000"/>
+              </a:lnSpc>
+              <a:spcBef>
+                <a:spcPts val="500"/>
+              </a:spcBef>
+              <a:buFont typeface="Arial" panose="020B0604020202020204" pitchFamily="34" charset="0"/>
+              <a:buNone/>
+              <a:defRPr sz="1600" kern="1200">
+                <a:solidFill>
+                  <a:schemeClr val="tx1"/>
+                </a:solidFill>
+                <a:latin typeface="+mn-lt"/>
+                <a:ea typeface="+mn-ea"/>
+                <a:cs typeface="+mn-cs"/>
+              </a:defRPr>
+            </a:lvl4pPr>
+            <a:lvl5pPr marL="1828800" indent="0" algn="ctr" defTabSz="914400" rtl="0" eaLnBrk="1" latinLnBrk="1" hangingPunct="1">
+              <a:lnSpc>
+                <a:spcPct val="90000"/>
+              </a:lnSpc>
+              <a:spcBef>
+                <a:spcPts val="500"/>
+              </a:spcBef>
+              <a:buFont typeface="Arial" panose="020B0604020202020204" pitchFamily="34" charset="0"/>
+              <a:buNone/>
+              <a:defRPr sz="1600" kern="1200">
+                <a:solidFill>
+                  <a:schemeClr val="tx1"/>
+                </a:solidFill>
+                <a:latin typeface="+mn-lt"/>
+                <a:ea typeface="+mn-ea"/>
+                <a:cs typeface="+mn-cs"/>
+              </a:defRPr>
+            </a:lvl5pPr>
+            <a:lvl6pPr marL="2286000" indent="0" algn="ctr" defTabSz="914400" rtl="0" eaLnBrk="1" latinLnBrk="1" hangingPunct="1">
+              <a:lnSpc>
+                <a:spcPct val="90000"/>
+              </a:lnSpc>
+              <a:spcBef>
+                <a:spcPts val="500"/>
+              </a:spcBef>
+              <a:buFont typeface="Arial" panose="020B0604020202020204" pitchFamily="34" charset="0"/>
+              <a:buNone/>
+              <a:defRPr sz="1600" kern="1200">
+                <a:solidFill>
+                  <a:schemeClr val="tx1"/>
+                </a:solidFill>
+                <a:latin typeface="+mn-lt"/>
+                <a:ea typeface="+mn-ea"/>
+                <a:cs typeface="+mn-cs"/>
+              </a:defRPr>
+            </a:lvl6pPr>
+            <a:lvl7pPr marL="2743200" indent="0" algn="ctr" defTabSz="914400" rtl="0" eaLnBrk="1" latinLnBrk="1" hangingPunct="1">
+              <a:lnSpc>
+                <a:spcPct val="90000"/>
+              </a:lnSpc>
+              <a:spcBef>
+                <a:spcPts val="500"/>
+              </a:spcBef>
+              <a:buFont typeface="Arial" panose="020B0604020202020204" pitchFamily="34" charset="0"/>
+              <a:buNone/>
+              <a:defRPr sz="1600" kern="1200">
+                <a:solidFill>
+                  <a:schemeClr val="tx1"/>
+                </a:solidFill>
+                <a:latin typeface="+mn-lt"/>
+                <a:ea typeface="+mn-ea"/>
+                <a:cs typeface="+mn-cs"/>
+              </a:defRPr>
+            </a:lvl7pPr>
+            <a:lvl8pPr marL="3200400" indent="0" algn="ctr" defTabSz="914400" rtl="0" eaLnBrk="1" latinLnBrk="1" hangingPunct="1">
+              <a:lnSpc>
+                <a:spcPct val="90000"/>
+              </a:lnSpc>
+              <a:spcBef>
+                <a:spcPts val="500"/>
+              </a:spcBef>
+              <a:buFont typeface="Arial" panose="020B0604020202020204" pitchFamily="34" charset="0"/>
+              <a:buNone/>
+              <a:defRPr sz="1600" kern="1200">
+                <a:solidFill>
+                  <a:schemeClr val="tx1"/>
+                </a:solidFill>
+                <a:latin typeface="+mn-lt"/>
+                <a:ea typeface="+mn-ea"/>
+                <a:cs typeface="+mn-cs"/>
+              </a:defRPr>
+            </a:lvl8pPr>
+            <a:lvl9pPr marL="3657600" indent="0" algn="ctr" defTabSz="914400" rtl="0" eaLnBrk="1" latinLnBrk="1" hangingPunct="1">
+              <a:lnSpc>
+                <a:spcPct val="90000"/>
+              </a:lnSpc>
+              <a:spcBef>
+                <a:spcPts val="500"/>
+              </a:spcBef>
+              <a:buFont typeface="Arial" panose="020B0604020202020204" pitchFamily="34" charset="0"/>
+              <a:buNone/>
+              <a:defRPr sz="1600" kern="1200">
+                <a:solidFill>
+                  <a:schemeClr val="tx1"/>
+                </a:solidFill>
+                <a:latin typeface="+mn-lt"/>
+                <a:ea typeface="+mn-ea"/>
+                <a:cs typeface="+mn-cs"/>
+              </a:defRPr>
+            </a:lvl9pPr>
+          </a:lstStyle>
+          <a:p>
+            <a:endParaRPr lang="en-US" altLang="ko-KR" sz="1400" dirty="0"/>
+          </a:p>
+          <a:p>
+            <a:r>
+              <a:rPr lang="ko-KR" altLang="en-US" sz="1400" dirty="0" smtClean="0"/>
+              <a:t>부모는 아이를 유치원에 </a:t>
+            </a:r>
+            <a:r>
+              <a:rPr lang="ko-KR" altLang="en-US" sz="1400" dirty="0" err="1" smtClean="0"/>
+              <a:t>보내기전</a:t>
+            </a:r>
+            <a:r>
+              <a:rPr lang="en-US" altLang="ko-KR" sz="1400" dirty="0" smtClean="0"/>
+              <a:t>, </a:t>
+            </a:r>
+            <a:r>
+              <a:rPr lang="ko-KR" altLang="en-US" sz="1400" dirty="0" smtClean="0"/>
+              <a:t> </a:t>
+            </a:r>
+            <a:r>
+              <a:rPr lang="ko-KR" altLang="en-US" sz="1400" dirty="0" err="1" smtClean="0"/>
+              <a:t>마이리틀</a:t>
+            </a:r>
+            <a:r>
+              <a:rPr lang="ko-KR" altLang="en-US" sz="1400" dirty="0" smtClean="0"/>
+              <a:t> </a:t>
+            </a:r>
+            <a:r>
+              <a:rPr lang="ko-KR" altLang="en-US" sz="1400" dirty="0" err="1" smtClean="0"/>
+              <a:t>옵저버를</a:t>
+            </a:r>
+            <a:r>
+              <a:rPr lang="ko-KR" altLang="en-US" sz="1400" dirty="0" smtClean="0"/>
+              <a:t> 채움</a:t>
+            </a:r>
+            <a:r>
+              <a:rPr lang="en-US" altLang="ko-KR" sz="1400" dirty="0" smtClean="0"/>
+              <a:t>. </a:t>
+            </a:r>
+          </a:p>
+          <a:p>
+            <a:endParaRPr lang="en-US" altLang="ko-KR" sz="1400" dirty="0" smtClean="0"/>
+          </a:p>
+          <a:p>
+            <a:r>
+              <a:rPr lang="ko-KR" altLang="en-US" sz="1400" dirty="0" smtClean="0"/>
+              <a:t>아이가 유치원에서 </a:t>
+            </a:r>
+            <a:r>
+              <a:rPr lang="ko-KR" altLang="en-US" sz="1400" dirty="0" err="1" smtClean="0"/>
+              <a:t>활동을하고</a:t>
+            </a:r>
+            <a:r>
+              <a:rPr lang="en-US" altLang="ko-KR" sz="1400" dirty="0" smtClean="0"/>
+              <a:t>,</a:t>
+            </a:r>
+          </a:p>
+          <a:p>
+            <a:r>
+              <a:rPr lang="ko-KR" altLang="en-US" sz="1400" dirty="0" smtClean="0"/>
+              <a:t>다시 집으로 돌아옴</a:t>
+            </a:r>
+            <a:r>
+              <a:rPr lang="en-US" altLang="ko-KR" sz="1400" dirty="0" smtClean="0"/>
+              <a:t>. </a:t>
+            </a:r>
+          </a:p>
+        </p:txBody>
+      </p:sp>
+      <p:cxnSp>
+        <p:nvCxnSpPr>
+          <p:cNvPr id="11" name="직선 화살표 연결선 10"/>
+          <p:cNvCxnSpPr/>
+          <p:nvPr/>
+        </p:nvCxnSpPr>
+        <p:spPr>
+          <a:xfrm flipH="1">
+            <a:off x="2190750" y="4603750"/>
+            <a:ext cx="1828800" cy="6350"/>
+          </a:xfrm>
+          <a:prstGeom prst="straightConnector1">
+            <a:avLst/>
+          </a:prstGeom>
+          <a:ln>
+            <a:tailEnd type="triangle"/>
+          </a:ln>
+        </p:spPr>
+        <p:style>
+          <a:lnRef idx="1">
+            <a:schemeClr val="accent1"/>
+          </a:lnRef>
+          <a:fillRef idx="0">
+            <a:schemeClr val="accent1"/>
+          </a:fillRef>
+          <a:effectRef idx="0">
+            <a:schemeClr val="accent1"/>
+          </a:effectRef>
+          <a:fontRef idx="minor">
+            <a:schemeClr val="tx1"/>
+          </a:fontRef>
+        </p:style>
+      </p:cxnSp>
+      <p:pic>
+        <p:nvPicPr>
+          <p:cNvPr id="14" name="그림 13"/>
+          <p:cNvPicPr>
+            <a:picLocks noChangeAspect="1"/>
+          </p:cNvPicPr>
+          <p:nvPr/>
+        </p:nvPicPr>
+        <p:blipFill>
+          <a:blip r:embed="rId4"/>
+          <a:stretch>
+            <a:fillRect/>
+          </a:stretch>
+        </p:blipFill>
+        <p:spPr>
+          <a:xfrm>
+            <a:off x="4276874" y="3895611"/>
+            <a:ext cx="339576" cy="357015"/>
+          </a:xfrm>
+          <a:prstGeom prst="rect">
+            <a:avLst/>
+          </a:prstGeom>
+        </p:spPr>
+      </p:pic>
+      <p:sp>
+        <p:nvSpPr>
+          <p:cNvPr id="15" name="직사각형 14"/>
+          <p:cNvSpPr/>
+          <p:nvPr/>
+        </p:nvSpPr>
+        <p:spPr>
+          <a:xfrm>
+            <a:off x="4800600" y="3238500"/>
+            <a:ext cx="901700" cy="1739900"/>
+          </a:xfrm>
+          <a:prstGeom prst="rect">
+            <a:avLst/>
+          </a:prstGeom>
+          <a:solidFill>
+            <a:schemeClr val="bg1"/>
+          </a:solidFill>
+          <a:ln>
+            <a:solidFill>
+              <a:schemeClr val="bg1"/>
+            </a:solidFill>
+          </a:ln>
+        </p:spPr>
+        <p:style>
+          <a:lnRef idx="2">
+            <a:schemeClr val="accent1">
+              <a:shade val="50000"/>
+            </a:schemeClr>
+          </a:lnRef>
+          <a:fillRef idx="1">
+            <a:schemeClr val="accent1"/>
+          </a:fillRef>
+          <a:effectRef idx="0">
+            <a:schemeClr val="accent1"/>
+          </a:effectRef>
+          <a:fontRef idx="minor">
+            <a:schemeClr val="lt1"/>
+          </a:fontRef>
+        </p:style>
+        <p:txBody>
+          <a:bodyPr rtlCol="0" anchor="ctr"/>
+          <a:lstStyle/>
+          <a:p>
+            <a:pPr algn="ctr"/>
+            <a:endParaRPr lang="ko-KR" altLang="en-US"/>
+          </a:p>
+        </p:txBody>
+      </p:sp>
+      <p:cxnSp>
+        <p:nvCxnSpPr>
+          <p:cNvPr id="19" name="직선 화살표 연결선 18"/>
+          <p:cNvCxnSpPr/>
+          <p:nvPr/>
+        </p:nvCxnSpPr>
+        <p:spPr>
+          <a:xfrm>
+            <a:off x="2190750" y="4191000"/>
+            <a:ext cx="1784350" cy="0"/>
+          </a:xfrm>
+          <a:prstGeom prst="straightConnector1">
+            <a:avLst/>
+          </a:prstGeom>
+          <a:ln>
+            <a:tailEnd type="triangle"/>
+          </a:ln>
+        </p:spPr>
+        <p:style>
+          <a:lnRef idx="1">
+            <a:schemeClr val="accent1"/>
+          </a:lnRef>
+          <a:fillRef idx="0">
+            <a:schemeClr val="accent1"/>
+          </a:fillRef>
+          <a:effectRef idx="0">
+            <a:schemeClr val="accent1"/>
+          </a:effectRef>
+          <a:fontRef idx="minor">
+            <a:schemeClr val="tx1"/>
+          </a:fontRef>
+        </p:style>
+      </p:cxnSp>
+    </p:spTree>
+    <p:extLst>
+      <p:ext uri="{BB962C8B-B14F-4D97-AF65-F5344CB8AC3E}">
+        <p14:creationId xmlns:p14="http://schemas.microsoft.com/office/powerpoint/2010/main" val="3956606599"/>
+      </p:ext>
+    </p:extLst>
+  </p:cSld>
+  <p:clrMapOvr>
+    <a:masterClrMapping/>
+  </p:clrMapOvr>
+</p:sld>
+</file>
+
+<file path=ppt/slides/slide3.xml><?xml version="1.0" encoding="utf-8"?>
+<p:sld xmlns:a="http://schemas.openxmlformats.org/drawingml/2006/main" xmlns:r="http://schemas.openxmlformats.org/officeDocument/2006/relationships" xmlns:p="http://schemas.openxmlformats.org/presentationml/2006/main">
+  <p:cSld>
+    <p:spTree>
+      <p:nvGrpSpPr>
+        <p:cNvPr id="1" name=""/>
+        <p:cNvGrpSpPr/>
+        <p:nvPr/>
+      </p:nvGrpSpPr>
+      <p:grpSpPr>
+        <a:xfrm>
+          <a:off x="0" y="0"/>
+          <a:ext cx="0" cy="0"/>
+          <a:chOff x="0" y="0"/>
+          <a:chExt cx="0" cy="0"/>
+        </a:xfrm>
+      </p:grpSpPr>
+      <p:sp>
+        <p:nvSpPr>
+          <p:cNvPr id="12" name="직사각형 11">
+            <a:extLst>
+              <a:ext uri="{FF2B5EF4-FFF2-40B4-BE49-F238E27FC236}">
+                <a16:creationId xmlns:a16="http://schemas.microsoft.com/office/drawing/2014/main" id="{84233781-F6D4-426C-8024-E3B41A94EC04}"/>
+              </a:ext>
+            </a:extLst>
+          </p:cNvPr>
+          <p:cNvSpPr/>
+          <p:nvPr/>
+        </p:nvSpPr>
+        <p:spPr>
+          <a:xfrm>
+            <a:off x="568325" y="755650"/>
+            <a:ext cx="10987643" cy="5686425"/>
+          </a:xfrm>
+          <a:prstGeom prst="rect">
+            <a:avLst/>
+          </a:prstGeom>
+          <a:solidFill>
+            <a:schemeClr val="bg1"/>
+          </a:solidFill>
+          <a:ln w="38100">
+            <a:solidFill>
+              <a:schemeClr val="tx1"/>
+            </a:solidFill>
+          </a:ln>
+        </p:spPr>
+        <p:style>
+          <a:lnRef idx="2">
+            <a:schemeClr val="accent1">
+              <a:shade val="50000"/>
+            </a:schemeClr>
+          </a:lnRef>
+          <a:fillRef idx="1">
+            <a:schemeClr val="accent1"/>
+          </a:fillRef>
+          <a:effectRef idx="0">
+            <a:schemeClr val="accent1"/>
+          </a:effectRef>
+          <a:fontRef idx="minor">
+            <a:schemeClr val="lt1"/>
+          </a:fontRef>
+        </p:style>
+        <p:txBody>
+          <a:bodyPr rtlCol="0" anchor="ctr"/>
+          <a:lstStyle/>
+          <a:p>
+            <a:pPr algn="ctr"/>
+            <a:r>
+              <a:rPr lang="ko-KR" altLang="en-US" dirty="0" err="1" smtClean="0"/>
+              <a:t>ㅇㅇㅇ</a:t>
+            </a:r>
+            <a:endParaRPr lang="ko-KR" altLang="en-US" dirty="0"/>
+          </a:p>
+        </p:txBody>
+      </p:sp>
+      <p:sp>
+        <p:nvSpPr>
+          <p:cNvPr id="3" name="부제목 2">
+            <a:extLst>
+              <a:ext uri="{FF2B5EF4-FFF2-40B4-BE49-F238E27FC236}">
+                <a16:creationId xmlns:a16="http://schemas.microsoft.com/office/drawing/2014/main" id="{674FD067-C169-49B1-B28F-6154B60AAE62}"/>
+              </a:ext>
+            </a:extLst>
+          </p:cNvPr>
+          <p:cNvSpPr>
+            <a:spLocks noGrp="1"/>
+          </p:cNvSpPr>
+          <p:nvPr>
+            <p:ph type="subTitle" idx="1"/>
+          </p:nvPr>
+        </p:nvSpPr>
+        <p:spPr>
+          <a:xfrm>
+            <a:off x="899480" y="425373"/>
+            <a:ext cx="4728839" cy="660554"/>
+          </a:xfrm>
+          <a:solidFill>
+            <a:schemeClr val="bg1"/>
+          </a:solidFill>
+          <a:ln w="34925">
+            <a:solidFill>
+              <a:schemeClr val="tx1">
+                <a:alpha val="97000"/>
+              </a:schemeClr>
+            </a:solidFill>
+          </a:ln>
+        </p:spPr>
+        <p:txBody>
+          <a:bodyPr>
+            <a:noAutofit/>
+          </a:bodyPr>
+          <a:lstStyle/>
+          <a:p>
+            <a:r>
+              <a:rPr lang="ko-KR" altLang="en-US" sz="3000" dirty="0" smtClean="0"/>
+              <a:t>구동방식</a:t>
+            </a:r>
+            <a:endParaRPr lang="en-US" altLang="ko-KR" sz="3000" dirty="0" smtClean="0"/>
+          </a:p>
+          <a:p>
+            <a:endParaRPr lang="ko-KR" altLang="en-US" sz="3000" dirty="0"/>
+          </a:p>
+        </p:txBody>
+      </p:sp>
+      <p:sp>
+        <p:nvSpPr>
+          <p:cNvPr id="9" name="부제목 2">
+            <a:extLst>
+              <a:ext uri="{FF2B5EF4-FFF2-40B4-BE49-F238E27FC236}">
+                <a16:creationId xmlns:a16="http://schemas.microsoft.com/office/drawing/2014/main" id="{674FD067-C169-49B1-B28F-6154B60AAE62}"/>
+              </a:ext>
+            </a:extLst>
+          </p:cNvPr>
+          <p:cNvSpPr txBox="1">
+            <a:spLocks/>
+          </p:cNvSpPr>
+          <p:nvPr/>
+        </p:nvSpPr>
+        <p:spPr>
+          <a:xfrm>
+            <a:off x="6788150" y="2324101"/>
+            <a:ext cx="3587750" cy="2717800"/>
+          </a:xfrm>
+          <a:prstGeom prst="rect">
+            <a:avLst/>
+          </a:prstGeom>
+          <a:solidFill>
+            <a:schemeClr val="bg1"/>
+          </a:solidFill>
+          <a:ln w="34925">
+            <a:solidFill>
+              <a:schemeClr val="tx1">
+                <a:alpha val="97000"/>
+              </a:schemeClr>
+            </a:solidFill>
+          </a:ln>
+        </p:spPr>
+        <p:txBody>
+          <a:bodyPr vert="horz" lIns="91440" tIns="45720" rIns="91440" bIns="45720" rtlCol="0">
+            <a:noAutofit/>
+          </a:bodyPr>
+          <a:lstStyle>
+            <a:lvl1pPr marL="0" indent="0" algn="ctr" defTabSz="914400" rtl="0" eaLnBrk="1" latinLnBrk="1" hangingPunct="1">
+              <a:lnSpc>
+                <a:spcPct val="90000"/>
+              </a:lnSpc>
+              <a:spcBef>
+                <a:spcPts val="1000"/>
+              </a:spcBef>
+              <a:buFont typeface="Arial" panose="020B0604020202020204" pitchFamily="34" charset="0"/>
+              <a:buNone/>
+              <a:defRPr sz="2400" kern="1200">
+                <a:solidFill>
+                  <a:schemeClr val="tx1"/>
+                </a:solidFill>
+                <a:latin typeface="+mn-lt"/>
+                <a:ea typeface="+mn-ea"/>
+                <a:cs typeface="+mn-cs"/>
+              </a:defRPr>
+            </a:lvl1pPr>
+            <a:lvl2pPr marL="457200" indent="0" algn="ctr" defTabSz="914400" rtl="0" eaLnBrk="1" latinLnBrk="1" hangingPunct="1">
+              <a:lnSpc>
+                <a:spcPct val="90000"/>
+              </a:lnSpc>
+              <a:spcBef>
+                <a:spcPts val="500"/>
+              </a:spcBef>
+              <a:buFont typeface="Arial" panose="020B0604020202020204" pitchFamily="34" charset="0"/>
+              <a:buNone/>
+              <a:defRPr sz="2000" kern="1200">
+                <a:solidFill>
+                  <a:schemeClr val="tx1"/>
+                </a:solidFill>
+                <a:latin typeface="+mn-lt"/>
+                <a:ea typeface="+mn-ea"/>
+                <a:cs typeface="+mn-cs"/>
+              </a:defRPr>
+            </a:lvl2pPr>
+            <a:lvl3pPr marL="914400" indent="0" algn="ctr" defTabSz="914400" rtl="0" eaLnBrk="1" latinLnBrk="1" hangingPunct="1">
+              <a:lnSpc>
+                <a:spcPct val="90000"/>
+              </a:lnSpc>
+              <a:spcBef>
+                <a:spcPts val="500"/>
+              </a:spcBef>
+              <a:buFont typeface="Arial" panose="020B0604020202020204" pitchFamily="34" charset="0"/>
+              <a:buNone/>
+              <a:defRPr sz="1800" kern="1200">
+                <a:solidFill>
+                  <a:schemeClr val="tx1"/>
+                </a:solidFill>
+                <a:latin typeface="+mn-lt"/>
+                <a:ea typeface="+mn-ea"/>
+                <a:cs typeface="+mn-cs"/>
+              </a:defRPr>
+            </a:lvl3pPr>
+            <a:lvl4pPr marL="1371600" indent="0" algn="ctr" defTabSz="914400" rtl="0" eaLnBrk="1" latinLnBrk="1" hangingPunct="1">
+              <a:lnSpc>
+                <a:spcPct val="90000"/>
+              </a:lnSpc>
+              <a:spcBef>
+                <a:spcPts val="500"/>
+              </a:spcBef>
+              <a:buFont typeface="Arial" panose="020B0604020202020204" pitchFamily="34" charset="0"/>
+              <a:buNone/>
+              <a:defRPr sz="1600" kern="1200">
+                <a:solidFill>
+                  <a:schemeClr val="tx1"/>
+                </a:solidFill>
+                <a:latin typeface="+mn-lt"/>
+                <a:ea typeface="+mn-ea"/>
+                <a:cs typeface="+mn-cs"/>
+              </a:defRPr>
+            </a:lvl4pPr>
+            <a:lvl5pPr marL="1828800" indent="0" algn="ctr" defTabSz="914400" rtl="0" eaLnBrk="1" latinLnBrk="1" hangingPunct="1">
+              <a:lnSpc>
+                <a:spcPct val="90000"/>
+              </a:lnSpc>
+              <a:spcBef>
+                <a:spcPts val="500"/>
+              </a:spcBef>
+              <a:buFont typeface="Arial" panose="020B0604020202020204" pitchFamily="34" charset="0"/>
+              <a:buNone/>
+              <a:defRPr sz="1600" kern="1200">
+                <a:solidFill>
+                  <a:schemeClr val="tx1"/>
+                </a:solidFill>
+                <a:latin typeface="+mn-lt"/>
+                <a:ea typeface="+mn-ea"/>
+                <a:cs typeface="+mn-cs"/>
+              </a:defRPr>
+            </a:lvl5pPr>
+            <a:lvl6pPr marL="2286000" indent="0" algn="ctr" defTabSz="914400" rtl="0" eaLnBrk="1" latinLnBrk="1" hangingPunct="1">
+              <a:lnSpc>
+                <a:spcPct val="90000"/>
+              </a:lnSpc>
+              <a:spcBef>
+                <a:spcPts val="500"/>
+              </a:spcBef>
+              <a:buFont typeface="Arial" panose="020B0604020202020204" pitchFamily="34" charset="0"/>
+              <a:buNone/>
+              <a:defRPr sz="1600" kern="1200">
+                <a:solidFill>
+                  <a:schemeClr val="tx1"/>
+                </a:solidFill>
+                <a:latin typeface="+mn-lt"/>
+                <a:ea typeface="+mn-ea"/>
+                <a:cs typeface="+mn-cs"/>
+              </a:defRPr>
+            </a:lvl6pPr>
+            <a:lvl7pPr marL="2743200" indent="0" algn="ctr" defTabSz="914400" rtl="0" eaLnBrk="1" latinLnBrk="1" hangingPunct="1">
+              <a:lnSpc>
+                <a:spcPct val="90000"/>
+              </a:lnSpc>
+              <a:spcBef>
+                <a:spcPts val="500"/>
+              </a:spcBef>
+              <a:buFont typeface="Arial" panose="020B0604020202020204" pitchFamily="34" charset="0"/>
+              <a:buNone/>
+              <a:defRPr sz="1600" kern="1200">
+                <a:solidFill>
+                  <a:schemeClr val="tx1"/>
+                </a:solidFill>
+                <a:latin typeface="+mn-lt"/>
+                <a:ea typeface="+mn-ea"/>
+                <a:cs typeface="+mn-cs"/>
+              </a:defRPr>
+            </a:lvl7pPr>
+            <a:lvl8pPr marL="3200400" indent="0" algn="ctr" defTabSz="914400" rtl="0" eaLnBrk="1" latinLnBrk="1" hangingPunct="1">
+              <a:lnSpc>
+                <a:spcPct val="90000"/>
+              </a:lnSpc>
+              <a:spcBef>
+                <a:spcPts val="500"/>
+              </a:spcBef>
+              <a:buFont typeface="Arial" panose="020B0604020202020204" pitchFamily="34" charset="0"/>
+              <a:buNone/>
+              <a:defRPr sz="1600" kern="1200">
+                <a:solidFill>
+                  <a:schemeClr val="tx1"/>
+                </a:solidFill>
+                <a:latin typeface="+mn-lt"/>
+                <a:ea typeface="+mn-ea"/>
+                <a:cs typeface="+mn-cs"/>
+              </a:defRPr>
+            </a:lvl8pPr>
+            <a:lvl9pPr marL="3657600" indent="0" algn="ctr" defTabSz="914400" rtl="0" eaLnBrk="1" latinLnBrk="1" hangingPunct="1">
+              <a:lnSpc>
+                <a:spcPct val="90000"/>
+              </a:lnSpc>
+              <a:spcBef>
+                <a:spcPts val="500"/>
+              </a:spcBef>
+              <a:buFont typeface="Arial" panose="020B0604020202020204" pitchFamily="34" charset="0"/>
+              <a:buNone/>
+              <a:defRPr sz="1600" kern="1200">
+                <a:solidFill>
+                  <a:schemeClr val="tx1"/>
+                </a:solidFill>
+                <a:latin typeface="+mn-lt"/>
+                <a:ea typeface="+mn-ea"/>
+                <a:cs typeface="+mn-cs"/>
+              </a:defRPr>
+            </a:lvl9pPr>
+          </a:lstStyle>
+          <a:p>
+            <a:endParaRPr lang="en-US" altLang="ko-KR" sz="1400" dirty="0"/>
+          </a:p>
+          <a:p>
+            <a:endParaRPr lang="en-US" altLang="ko-KR" sz="1400" dirty="0"/>
+          </a:p>
+          <a:p>
+            <a:r>
+              <a:rPr lang="ko-KR" altLang="en-US" sz="1400" dirty="0" err="1" smtClean="0"/>
+              <a:t>마이리틀옵저버의</a:t>
+            </a:r>
+            <a:r>
+              <a:rPr lang="ko-KR" altLang="en-US" sz="1400" dirty="0" smtClean="0"/>
+              <a:t> 버튼을 누르면 </a:t>
+            </a:r>
+            <a:endParaRPr lang="en-US" altLang="ko-KR" sz="1400" dirty="0" smtClean="0"/>
+          </a:p>
+          <a:p>
+            <a:r>
+              <a:rPr lang="ko-KR" altLang="en-US" sz="1400" dirty="0" smtClean="0"/>
+              <a:t>부모의 휴대폰과 동기화 </a:t>
+            </a:r>
+            <a:endParaRPr lang="en-US" altLang="ko-KR" sz="1400" dirty="0" smtClean="0"/>
+          </a:p>
+          <a:p>
+            <a:endParaRPr lang="en-US" altLang="ko-KR" sz="1400" dirty="0"/>
+          </a:p>
+          <a:p>
+            <a:r>
+              <a:rPr lang="ko-KR" altLang="en-US" sz="1400" dirty="0" err="1" smtClean="0"/>
+              <a:t>앱애서는</a:t>
+            </a:r>
+            <a:r>
+              <a:rPr lang="ko-KR" altLang="en-US" sz="1400" dirty="0" smtClean="0"/>
+              <a:t> 파일을 </a:t>
+            </a:r>
+            <a:r>
+              <a:rPr lang="ko-KR" altLang="en-US" sz="1400" dirty="0" err="1" smtClean="0"/>
+              <a:t>날짜별로</a:t>
+            </a:r>
+            <a:r>
+              <a:rPr lang="ko-KR" altLang="en-US" sz="1400" dirty="0" smtClean="0"/>
+              <a:t> 정리</a:t>
+            </a:r>
+            <a:r>
+              <a:rPr lang="en-US" altLang="ko-KR" sz="1400" dirty="0" smtClean="0"/>
+              <a:t>. </a:t>
+            </a:r>
+          </a:p>
+          <a:p>
+            <a:r>
+              <a:rPr lang="ko-KR" altLang="en-US" sz="1400" dirty="0" smtClean="0"/>
+              <a:t> </a:t>
+            </a:r>
+            <a:r>
+              <a:rPr lang="ko-KR" altLang="en-US" sz="1400" dirty="0" smtClean="0"/>
+              <a:t>서버에서 모든 </a:t>
+            </a:r>
+            <a:r>
+              <a:rPr lang="ko-KR" altLang="en-US" sz="1400" dirty="0" smtClean="0"/>
+              <a:t>파일을 받은 뒤 </a:t>
+            </a:r>
+            <a:r>
+              <a:rPr lang="ko-KR" altLang="en-US" sz="1400" dirty="0" smtClean="0"/>
+              <a:t>부모가 </a:t>
+            </a:r>
+            <a:r>
+              <a:rPr lang="ko-KR" altLang="en-US" sz="1400" dirty="0" smtClean="0"/>
+              <a:t>앱에서 확인할 수 있음</a:t>
+            </a:r>
+            <a:r>
+              <a:rPr lang="en-US" altLang="ko-KR" sz="1400" dirty="0" smtClean="0"/>
+              <a:t>. </a:t>
+            </a:r>
+          </a:p>
+        </p:txBody>
+      </p:sp>
+      <p:pic>
+        <p:nvPicPr>
+          <p:cNvPr id="14" name="그림 13"/>
+          <p:cNvPicPr>
+            <a:picLocks noChangeAspect="1"/>
+          </p:cNvPicPr>
+          <p:nvPr/>
+        </p:nvPicPr>
+        <p:blipFill>
+          <a:blip r:embed="rId3"/>
+          <a:stretch>
+            <a:fillRect/>
+          </a:stretch>
+        </p:blipFill>
+        <p:spPr>
+          <a:xfrm>
+            <a:off x="1603524" y="2987561"/>
+            <a:ext cx="1819126" cy="1912548"/>
+          </a:xfrm>
+          <a:prstGeom prst="rect">
+            <a:avLst/>
+          </a:prstGeom>
+        </p:spPr>
+      </p:pic>
+      <p:sp>
+        <p:nvSpPr>
+          <p:cNvPr id="15" name="직사각형 14"/>
+          <p:cNvSpPr/>
+          <p:nvPr/>
+        </p:nvSpPr>
+        <p:spPr>
+          <a:xfrm>
+            <a:off x="4800600" y="3238500"/>
+            <a:ext cx="901700" cy="1739900"/>
+          </a:xfrm>
+          <a:prstGeom prst="rect">
+            <a:avLst/>
+          </a:prstGeom>
+          <a:solidFill>
+            <a:schemeClr val="bg1"/>
+          </a:solidFill>
+          <a:ln>
+            <a:solidFill>
+              <a:schemeClr val="bg1"/>
+            </a:solidFill>
+          </a:ln>
+        </p:spPr>
+        <p:style>
+          <a:lnRef idx="2">
+            <a:schemeClr val="accent1">
+              <a:shade val="50000"/>
+            </a:schemeClr>
+          </a:lnRef>
+          <a:fillRef idx="1">
+            <a:schemeClr val="accent1"/>
+          </a:fillRef>
+          <a:effectRef idx="0">
+            <a:schemeClr val="accent1"/>
+          </a:effectRef>
+          <a:fontRef idx="minor">
+            <a:schemeClr val="lt1"/>
+          </a:fontRef>
+        </p:style>
+        <p:txBody>
+          <a:bodyPr rtlCol="0" anchor="ctr"/>
+          <a:lstStyle/>
+          <a:p>
+            <a:pPr algn="ctr"/>
+            <a:endParaRPr lang="ko-KR" altLang="en-US"/>
+          </a:p>
+        </p:txBody>
+      </p:sp>
+      <p:pic>
+        <p:nvPicPr>
+          <p:cNvPr id="2" name="그림 1" descr="Android Cellular · Free image on Pixabay"/>
+          <p:cNvPicPr>
+            <a:picLocks noChangeAspect="1"/>
+          </p:cNvPicPr>
+          <p:nvPr/>
+        </p:nvPicPr>
+        <p:blipFill>
+          <a:blip r:embed="rId4">
+            <a:extLst>
+              <a:ext uri="{28A0092B-C50C-407E-A947-70E740481C1C}">
+                <a14:useLocalDpi xmlns:a14="http://schemas.microsoft.com/office/drawing/2010/main" val="0"/>
+              </a:ext>
+            </a:extLst>
+          </a:blip>
+          <a:stretch>
+            <a:fillRect/>
+          </a:stretch>
+        </p:blipFill>
+        <p:spPr>
+          <a:xfrm>
+            <a:off x="1216980" y="1463674"/>
+            <a:ext cx="7936089" cy="4464050"/>
+          </a:xfrm>
+          <a:prstGeom prst="rect">
+            <a:avLst/>
+          </a:prstGeom>
+        </p:spPr>
+      </p:pic>
+      <p:pic>
+        <p:nvPicPr>
+          <p:cNvPr id="4" name="그림 3" descr="shinlucky's Archive ~ 쓸만한 &lt;strong&gt;버튼&lt;/strong&gt; 모음(psd File) ~"/>
+          <p:cNvPicPr>
+            <a:picLocks noChangeAspect="1"/>
+          </p:cNvPicPr>
+          <p:nvPr/>
+        </p:nvPicPr>
+        <p:blipFill>
+          <a:blip r:embed="rId5" cstate="hqprint">
+            <a:extLst>
+              <a:ext uri="{28A0092B-C50C-407E-A947-70E740481C1C}">
+                <a14:useLocalDpi xmlns:a14="http://schemas.microsoft.com/office/drawing/2010/main" val="0"/>
+              </a:ext>
+            </a:extLst>
+          </a:blip>
+          <a:stretch>
+            <a:fillRect/>
+          </a:stretch>
+        </p:blipFill>
+        <p:spPr>
+          <a:xfrm>
+            <a:off x="2362679" y="3695699"/>
+            <a:ext cx="450372" cy="360297"/>
+          </a:xfrm>
+          <a:prstGeom prst="rect">
+            <a:avLst/>
+          </a:prstGeom>
+        </p:spPr>
+      </p:pic>
+    </p:spTree>
+    <p:extLst>
+      <p:ext uri="{BB962C8B-B14F-4D97-AF65-F5344CB8AC3E}">
+        <p14:creationId xmlns:p14="http://schemas.microsoft.com/office/powerpoint/2010/main" val="603114806"/>
+      </p:ext>
+    </p:extLst>
+  </p:cSld>
+  <p:clrMapOvr>
+    <a:masterClrMapping/>
+  </p:clrMapOvr>
+</p:sld>
+</file>
+
+<file path=ppt/slides/slide4.xml><?xml version="1.0" encoding="utf-8"?>
+<p:sld xmlns:a="http://schemas.openxmlformats.org/drawingml/2006/main" xmlns:r="http://schemas.openxmlformats.org/officeDocument/2006/relationships" xmlns:p="http://schemas.openxmlformats.org/presentationml/2006/main">
+  <p:cSld>
+    <p:spTree>
+      <p:nvGrpSpPr>
+        <p:cNvPr id="1" name=""/>
+        <p:cNvGrpSpPr/>
+        <p:nvPr/>
+      </p:nvGrpSpPr>
+      <p:grpSpPr>
+        <a:xfrm>
+          <a:off x="0" y="0"/>
+          <a:ext cx="0" cy="0"/>
+          <a:chOff x="0" y="0"/>
+          <a:chExt cx="0" cy="0"/>
+        </a:xfrm>
+      </p:grpSpPr>
+      <p:sp>
+        <p:nvSpPr>
+          <p:cNvPr id="12" name="직사각형 11">
+            <a:extLst>
+              <a:ext uri="{FF2B5EF4-FFF2-40B4-BE49-F238E27FC236}">
+                <a16:creationId xmlns:a16="http://schemas.microsoft.com/office/drawing/2014/main" id="{84233781-F6D4-426C-8024-E3B41A94EC04}"/>
+              </a:ext>
+            </a:extLst>
+          </p:cNvPr>
+          <p:cNvSpPr/>
+          <p:nvPr/>
+        </p:nvSpPr>
+        <p:spPr>
+          <a:xfrm>
+            <a:off x="568325" y="755650"/>
+            <a:ext cx="10987643" cy="5686425"/>
+          </a:xfrm>
+          <a:prstGeom prst="rect">
+            <a:avLst/>
+          </a:prstGeom>
+          <a:solidFill>
+            <a:schemeClr val="bg1"/>
+          </a:solidFill>
+          <a:ln w="38100">
+            <a:solidFill>
+              <a:schemeClr val="tx1"/>
+            </a:solidFill>
+          </a:ln>
+        </p:spPr>
+        <p:style>
+          <a:lnRef idx="2">
+            <a:schemeClr val="accent1">
+              <a:shade val="50000"/>
+            </a:schemeClr>
+          </a:lnRef>
+          <a:fillRef idx="1">
+            <a:schemeClr val="accent1"/>
+          </a:fillRef>
+          <a:effectRef idx="0">
+            <a:schemeClr val="accent1"/>
+          </a:effectRef>
+          <a:fontRef idx="minor">
+            <a:schemeClr val="lt1"/>
+          </a:fontRef>
+        </p:style>
+        <p:txBody>
+          <a:bodyPr rtlCol="0" anchor="ctr"/>
+          <a:lstStyle/>
+          <a:p>
+            <a:pPr algn="ctr"/>
+            <a:r>
+              <a:rPr lang="ko-KR" altLang="en-US" dirty="0" err="1" smtClean="0"/>
+              <a:t>ㅇㅇㅇ</a:t>
+            </a:r>
+            <a:endParaRPr lang="ko-KR" altLang="en-US" dirty="0"/>
+          </a:p>
+        </p:txBody>
+      </p:sp>
+      <p:sp>
+        <p:nvSpPr>
+          <p:cNvPr id="3" name="부제목 2">
+            <a:extLst>
+              <a:ext uri="{FF2B5EF4-FFF2-40B4-BE49-F238E27FC236}">
+                <a16:creationId xmlns:a16="http://schemas.microsoft.com/office/drawing/2014/main" id="{674FD067-C169-49B1-B28F-6154B60AAE62}"/>
+              </a:ext>
+            </a:extLst>
+          </p:cNvPr>
+          <p:cNvSpPr>
+            <a:spLocks noGrp="1"/>
+          </p:cNvSpPr>
+          <p:nvPr>
+            <p:ph type="subTitle" idx="1"/>
+          </p:nvPr>
+        </p:nvSpPr>
+        <p:spPr>
+          <a:xfrm>
+            <a:off x="899480" y="425373"/>
+            <a:ext cx="4728839" cy="660554"/>
+          </a:xfrm>
+          <a:solidFill>
+            <a:schemeClr val="bg1"/>
+          </a:solidFill>
+          <a:ln w="34925">
+            <a:solidFill>
+              <a:schemeClr val="tx1">
+                <a:alpha val="97000"/>
+              </a:schemeClr>
+            </a:solidFill>
+          </a:ln>
+        </p:spPr>
+        <p:txBody>
+          <a:bodyPr>
+            <a:noAutofit/>
+          </a:bodyPr>
+          <a:lstStyle/>
+          <a:p>
+            <a:r>
+              <a:rPr lang="ko-KR" altLang="en-US" sz="3000" dirty="0" smtClean="0"/>
+              <a:t>구동방식</a:t>
+            </a:r>
+            <a:endParaRPr lang="en-US" altLang="ko-KR" sz="3000" dirty="0" smtClean="0"/>
+          </a:p>
+          <a:p>
+            <a:endParaRPr lang="ko-KR" altLang="en-US" sz="3000" dirty="0"/>
+          </a:p>
+        </p:txBody>
+      </p:sp>
+      <p:pic>
+        <p:nvPicPr>
+          <p:cNvPr id="14" name="그림 13"/>
+          <p:cNvPicPr>
+            <a:picLocks noChangeAspect="1"/>
+          </p:cNvPicPr>
+          <p:nvPr/>
+        </p:nvPicPr>
+        <p:blipFill>
+          <a:blip r:embed="rId3"/>
+          <a:stretch>
+            <a:fillRect/>
+          </a:stretch>
+        </p:blipFill>
+        <p:spPr>
+          <a:xfrm>
+            <a:off x="790724" y="1416205"/>
+            <a:ext cx="2095672" cy="2203296"/>
+          </a:xfrm>
+          <a:prstGeom prst="rect">
+            <a:avLst/>
+          </a:prstGeom>
+        </p:spPr>
+      </p:pic>
+      <p:sp>
+        <p:nvSpPr>
+          <p:cNvPr id="11" name="부제목 2">
+            <a:extLst>
+              <a:ext uri="{FF2B5EF4-FFF2-40B4-BE49-F238E27FC236}">
+                <a16:creationId xmlns:a16="http://schemas.microsoft.com/office/drawing/2014/main" id="{674FD067-C169-49B1-B28F-6154B60AAE62}"/>
+              </a:ext>
+            </a:extLst>
+          </p:cNvPr>
+          <p:cNvSpPr txBox="1">
+            <a:spLocks/>
+          </p:cNvSpPr>
+          <p:nvPr/>
+        </p:nvSpPr>
+        <p:spPr>
+          <a:xfrm>
+            <a:off x="3470670" y="1524000"/>
+            <a:ext cx="7838680" cy="4591049"/>
+          </a:xfrm>
+          <a:prstGeom prst="rect">
+            <a:avLst/>
+          </a:prstGeom>
+          <a:solidFill>
+            <a:schemeClr val="bg1"/>
+          </a:solidFill>
+          <a:ln w="34925">
+            <a:solidFill>
+              <a:schemeClr val="tx1">
+                <a:alpha val="97000"/>
+              </a:schemeClr>
+            </a:solidFill>
+          </a:ln>
+        </p:spPr>
+        <p:txBody>
+          <a:bodyPr vert="horz" lIns="91440" tIns="45720" rIns="91440" bIns="45720" rtlCol="0">
+            <a:noAutofit/>
+          </a:bodyPr>
+          <a:lstStyle>
+            <a:lvl1pPr marL="0" indent="0" algn="ctr" defTabSz="914400" rtl="0" eaLnBrk="1" latinLnBrk="1" hangingPunct="1">
+              <a:lnSpc>
+                <a:spcPct val="90000"/>
+              </a:lnSpc>
+              <a:spcBef>
+                <a:spcPts val="1000"/>
+              </a:spcBef>
+              <a:buFont typeface="Arial" panose="020B0604020202020204" pitchFamily="34" charset="0"/>
+              <a:buNone/>
+              <a:defRPr sz="2400" kern="1200">
+                <a:solidFill>
+                  <a:schemeClr val="tx1"/>
+                </a:solidFill>
+                <a:latin typeface="+mn-lt"/>
+                <a:ea typeface="+mn-ea"/>
+                <a:cs typeface="+mn-cs"/>
+              </a:defRPr>
+            </a:lvl1pPr>
+            <a:lvl2pPr marL="457200" indent="0" algn="ctr" defTabSz="914400" rtl="0" eaLnBrk="1" latinLnBrk="1" hangingPunct="1">
+              <a:lnSpc>
+                <a:spcPct val="90000"/>
+              </a:lnSpc>
+              <a:spcBef>
+                <a:spcPts val="500"/>
+              </a:spcBef>
+              <a:buFont typeface="Arial" panose="020B0604020202020204" pitchFamily="34" charset="0"/>
+              <a:buNone/>
+              <a:defRPr sz="2000" kern="1200">
+                <a:solidFill>
+                  <a:schemeClr val="tx1"/>
+                </a:solidFill>
+                <a:latin typeface="+mn-lt"/>
+                <a:ea typeface="+mn-ea"/>
+                <a:cs typeface="+mn-cs"/>
+              </a:defRPr>
+            </a:lvl2pPr>
+            <a:lvl3pPr marL="914400" indent="0" algn="ctr" defTabSz="914400" rtl="0" eaLnBrk="1" latinLnBrk="1" hangingPunct="1">
+              <a:lnSpc>
+                <a:spcPct val="90000"/>
+              </a:lnSpc>
+              <a:spcBef>
+                <a:spcPts val="500"/>
+              </a:spcBef>
+              <a:buFont typeface="Arial" panose="020B0604020202020204" pitchFamily="34" charset="0"/>
+              <a:buNone/>
+              <a:defRPr sz="1800" kern="1200">
+                <a:solidFill>
+                  <a:schemeClr val="tx1"/>
+                </a:solidFill>
+                <a:latin typeface="+mn-lt"/>
+                <a:ea typeface="+mn-ea"/>
+                <a:cs typeface="+mn-cs"/>
+              </a:defRPr>
+            </a:lvl3pPr>
+            <a:lvl4pPr marL="1371600" indent="0" algn="ctr" defTabSz="914400" rtl="0" eaLnBrk="1" latinLnBrk="1" hangingPunct="1">
+              <a:lnSpc>
+                <a:spcPct val="90000"/>
+              </a:lnSpc>
+              <a:spcBef>
+                <a:spcPts val="500"/>
+              </a:spcBef>
+              <a:buFont typeface="Arial" panose="020B0604020202020204" pitchFamily="34" charset="0"/>
+              <a:buNone/>
+              <a:defRPr sz="1600" kern="1200">
+                <a:solidFill>
+                  <a:schemeClr val="tx1"/>
+                </a:solidFill>
+                <a:latin typeface="+mn-lt"/>
+                <a:ea typeface="+mn-ea"/>
+                <a:cs typeface="+mn-cs"/>
+              </a:defRPr>
+            </a:lvl4pPr>
+            <a:lvl5pPr marL="1828800" indent="0" algn="ctr" defTabSz="914400" rtl="0" eaLnBrk="1" latinLnBrk="1" hangingPunct="1">
+              <a:lnSpc>
+                <a:spcPct val="90000"/>
+              </a:lnSpc>
+              <a:spcBef>
+                <a:spcPts val="500"/>
+              </a:spcBef>
+              <a:buFont typeface="Arial" panose="020B0604020202020204" pitchFamily="34" charset="0"/>
+              <a:buNone/>
+              <a:defRPr sz="1600" kern="1200">
+                <a:solidFill>
+                  <a:schemeClr val="tx1"/>
+                </a:solidFill>
+                <a:latin typeface="+mn-lt"/>
+                <a:ea typeface="+mn-ea"/>
+                <a:cs typeface="+mn-cs"/>
+              </a:defRPr>
+            </a:lvl5pPr>
+            <a:lvl6pPr marL="2286000" indent="0" algn="ctr" defTabSz="914400" rtl="0" eaLnBrk="1" latinLnBrk="1" hangingPunct="1">
+              <a:lnSpc>
+                <a:spcPct val="90000"/>
+              </a:lnSpc>
+              <a:spcBef>
+                <a:spcPts val="500"/>
+              </a:spcBef>
+              <a:buFont typeface="Arial" panose="020B0604020202020204" pitchFamily="34" charset="0"/>
+              <a:buNone/>
+              <a:defRPr sz="1600" kern="1200">
+                <a:solidFill>
+                  <a:schemeClr val="tx1"/>
+                </a:solidFill>
+                <a:latin typeface="+mn-lt"/>
+                <a:ea typeface="+mn-ea"/>
+                <a:cs typeface="+mn-cs"/>
+              </a:defRPr>
+            </a:lvl6pPr>
+            <a:lvl7pPr marL="2743200" indent="0" algn="ctr" defTabSz="914400" rtl="0" eaLnBrk="1" latinLnBrk="1" hangingPunct="1">
+              <a:lnSpc>
+                <a:spcPct val="90000"/>
+              </a:lnSpc>
+              <a:spcBef>
+                <a:spcPts val="500"/>
+              </a:spcBef>
+              <a:buFont typeface="Arial" panose="020B0604020202020204" pitchFamily="34" charset="0"/>
+              <a:buNone/>
+              <a:defRPr sz="1600" kern="1200">
+                <a:solidFill>
+                  <a:schemeClr val="tx1"/>
+                </a:solidFill>
+                <a:latin typeface="+mn-lt"/>
+                <a:ea typeface="+mn-ea"/>
+                <a:cs typeface="+mn-cs"/>
+              </a:defRPr>
+            </a:lvl7pPr>
+            <a:lvl8pPr marL="3200400" indent="0" algn="ctr" defTabSz="914400" rtl="0" eaLnBrk="1" latinLnBrk="1" hangingPunct="1">
+              <a:lnSpc>
+                <a:spcPct val="90000"/>
+              </a:lnSpc>
+              <a:spcBef>
+                <a:spcPts val="500"/>
+              </a:spcBef>
+              <a:buFont typeface="Arial" panose="020B0604020202020204" pitchFamily="34" charset="0"/>
+              <a:buNone/>
+              <a:defRPr sz="1600" kern="1200">
+                <a:solidFill>
+                  <a:schemeClr val="tx1"/>
+                </a:solidFill>
+                <a:latin typeface="+mn-lt"/>
+                <a:ea typeface="+mn-ea"/>
+                <a:cs typeface="+mn-cs"/>
+              </a:defRPr>
+            </a:lvl8pPr>
+            <a:lvl9pPr marL="3657600" indent="0" algn="ctr" defTabSz="914400" rtl="0" eaLnBrk="1" latinLnBrk="1" hangingPunct="1">
+              <a:lnSpc>
+                <a:spcPct val="90000"/>
+              </a:lnSpc>
+              <a:spcBef>
+                <a:spcPts val="500"/>
+              </a:spcBef>
+              <a:buFont typeface="Arial" panose="020B0604020202020204" pitchFamily="34" charset="0"/>
+              <a:buNone/>
+              <a:defRPr sz="1600" kern="1200">
+                <a:solidFill>
+                  <a:schemeClr val="tx1"/>
+                </a:solidFill>
+                <a:latin typeface="+mn-lt"/>
+                <a:ea typeface="+mn-ea"/>
+                <a:cs typeface="+mn-cs"/>
+              </a:defRPr>
+            </a:lvl9pPr>
+          </a:lstStyle>
+          <a:p>
+            <a:endParaRPr lang="en-US" altLang="ko-KR" sz="1400" dirty="0" smtClean="0"/>
+          </a:p>
+          <a:p>
+            <a:r>
+              <a:rPr lang="ko-KR" altLang="en-US" sz="1400" dirty="0" err="1" smtClean="0"/>
+              <a:t>아두이노를</a:t>
+            </a:r>
+            <a:r>
+              <a:rPr lang="ko-KR" altLang="en-US" sz="1400" dirty="0" smtClean="0"/>
+              <a:t> 사용</a:t>
+            </a:r>
+            <a:r>
+              <a:rPr lang="en-US" altLang="ko-KR" sz="1400" dirty="0" smtClean="0"/>
+              <a:t>, </a:t>
+            </a:r>
+            <a:r>
+              <a:rPr lang="ko-KR" altLang="en-US" sz="1400" dirty="0" smtClean="0"/>
+              <a:t>하드웨어는 항시 녹음만</a:t>
+            </a:r>
+            <a:r>
+              <a:rPr lang="en-US" altLang="ko-KR" sz="1400" dirty="0" smtClean="0"/>
+              <a:t>. </a:t>
+            </a:r>
+            <a:endParaRPr lang="en-US" altLang="ko-KR" sz="1400" dirty="0"/>
+          </a:p>
+          <a:p>
+            <a:r>
+              <a:rPr lang="en-US" altLang="ko-KR" sz="1400" dirty="0" smtClean="0"/>
+              <a:t>-&gt; </a:t>
+            </a:r>
+            <a:r>
+              <a:rPr lang="ko-KR" altLang="en-US" sz="1400" dirty="0" smtClean="0"/>
+              <a:t>하드웨어는 항시 녹음</a:t>
+            </a:r>
+            <a:r>
+              <a:rPr lang="en-US" altLang="ko-KR" sz="1400" dirty="0" smtClean="0"/>
+              <a:t>, </a:t>
+            </a:r>
+            <a:r>
+              <a:rPr lang="ko-KR" altLang="en-US" sz="1400" dirty="0" smtClean="0"/>
+              <a:t>버튼을 누를 때 부모와 동기화 가능하게 구현</a:t>
+            </a:r>
+            <a:endParaRPr lang="en-US" altLang="ko-KR" sz="1400" dirty="0" smtClean="0"/>
+          </a:p>
+          <a:p>
+            <a:endParaRPr lang="en-US" altLang="ko-KR" sz="1400" dirty="0"/>
+          </a:p>
+          <a:p>
+            <a:r>
+              <a:rPr lang="ko-KR" altLang="en-US" sz="1400" dirty="0" err="1" smtClean="0"/>
+              <a:t>녹음파일을</a:t>
+            </a:r>
+            <a:r>
+              <a:rPr lang="ko-KR" altLang="en-US" sz="1400" dirty="0" smtClean="0"/>
+              <a:t> 부모의 핸드폰에서 받으면 어플리케이션에서 분석 시작</a:t>
+            </a:r>
+            <a:r>
+              <a:rPr lang="en-US" altLang="ko-KR" sz="1400" dirty="0" smtClean="0"/>
+              <a:t>. </a:t>
+            </a:r>
+          </a:p>
+          <a:p>
+            <a:r>
+              <a:rPr lang="en-US" altLang="ko-KR" sz="1400" dirty="0" smtClean="0"/>
+              <a:t>-&gt; </a:t>
+            </a:r>
+            <a:r>
+              <a:rPr lang="ko-KR" altLang="en-US" sz="1400" dirty="0" smtClean="0"/>
+              <a:t>여기서 서버를 사용해야할 것 같음</a:t>
+            </a:r>
+            <a:r>
+              <a:rPr lang="en-US" altLang="ko-KR" sz="1400" dirty="0" smtClean="0"/>
+              <a:t>.</a:t>
+            </a:r>
+            <a:r>
+              <a:rPr lang="ko-KR" altLang="en-US" sz="1400" dirty="0" smtClean="0"/>
+              <a:t> </a:t>
+            </a:r>
+            <a:endParaRPr lang="en-US" altLang="ko-KR" sz="1400" dirty="0" smtClean="0"/>
+          </a:p>
+          <a:p>
+            <a:endParaRPr lang="en-US" altLang="ko-KR" sz="1400" dirty="0" smtClean="0"/>
+          </a:p>
+          <a:p>
+            <a:r>
+              <a:rPr lang="ko-KR" altLang="en-US" sz="1400" dirty="0" smtClean="0"/>
+              <a:t>서버로 음성데이터를 보내면 서버에서 </a:t>
+            </a:r>
+            <a:r>
+              <a:rPr lang="ko-KR" altLang="en-US" sz="1400" dirty="0" err="1" smtClean="0"/>
+              <a:t>머신러닝을</a:t>
+            </a:r>
+            <a:r>
+              <a:rPr lang="ko-KR" altLang="en-US" sz="1400" dirty="0" smtClean="0"/>
+              <a:t> 씀</a:t>
+            </a:r>
+            <a:r>
+              <a:rPr lang="en-US" altLang="ko-KR" sz="1400" dirty="0" smtClean="0"/>
+              <a:t>.</a:t>
+            </a:r>
+          </a:p>
+          <a:p>
+            <a:r>
+              <a:rPr lang="ko-KR" altLang="en-US" sz="1400" dirty="0" smtClean="0"/>
+              <a:t> 울음소리</a:t>
+            </a:r>
+            <a:r>
+              <a:rPr lang="en-US" altLang="ko-KR" sz="1400" dirty="0" smtClean="0"/>
+              <a:t>, </a:t>
+            </a:r>
+            <a:r>
+              <a:rPr lang="ko-KR" altLang="en-US" sz="1400" dirty="0" smtClean="0"/>
+              <a:t>내가 추출하고 싶은 텍스트를 뽑아 냄</a:t>
+            </a:r>
+            <a:r>
+              <a:rPr lang="en-US" altLang="ko-KR" sz="1400" dirty="0" smtClean="0"/>
+              <a:t>.</a:t>
+            </a:r>
+          </a:p>
+          <a:p>
+            <a:r>
+              <a:rPr lang="ko-KR" altLang="en-US" sz="1400" dirty="0" smtClean="0"/>
+              <a:t>뽑아낸 데이터의 전 후 </a:t>
+            </a:r>
+            <a:r>
+              <a:rPr lang="ko-KR" altLang="en-US" sz="1400" dirty="0" err="1" smtClean="0"/>
+              <a:t>몇분</a:t>
+            </a:r>
+            <a:r>
+              <a:rPr lang="ko-KR" altLang="en-US" sz="1400" dirty="0" smtClean="0"/>
+              <a:t> 을 새로운 </a:t>
+            </a:r>
+            <a:r>
+              <a:rPr lang="en-US" altLang="ko-KR" sz="1400" dirty="0" smtClean="0"/>
+              <a:t>mp3</a:t>
+            </a:r>
+            <a:r>
+              <a:rPr lang="ko-KR" altLang="en-US" sz="1400" dirty="0" smtClean="0"/>
+              <a:t>파일로 </a:t>
+            </a:r>
+            <a:r>
+              <a:rPr lang="ko-KR" altLang="en-US" sz="1400" dirty="0" err="1" smtClean="0"/>
+              <a:t>만듬</a:t>
+            </a:r>
+            <a:endParaRPr lang="en-US" altLang="ko-KR" sz="1400" dirty="0" smtClean="0"/>
+          </a:p>
+          <a:p>
+            <a:r>
+              <a:rPr lang="en-US" altLang="ko-KR" sz="1400" dirty="0" smtClean="0"/>
+              <a:t>-&gt;</a:t>
+            </a:r>
+            <a:r>
+              <a:rPr lang="ko-KR" altLang="en-US" sz="1400" dirty="0" smtClean="0"/>
+              <a:t>이는 블랙박스와 동일  </a:t>
+            </a:r>
+            <a:endParaRPr lang="en-US" altLang="ko-KR" sz="1400" dirty="0" smtClean="0"/>
+          </a:p>
+          <a:p>
+            <a:endParaRPr lang="en-US" altLang="ko-KR" sz="1400" dirty="0" smtClean="0"/>
+          </a:p>
+          <a:p>
+            <a:r>
+              <a:rPr lang="ko-KR" altLang="en-US" sz="1400" dirty="0" smtClean="0"/>
+              <a:t>정리된 파일은 다시 어플리케이션으로 보내줌</a:t>
+            </a:r>
+            <a:r>
+              <a:rPr lang="en-US" altLang="ko-KR" sz="1400" dirty="0" smtClean="0"/>
+              <a:t>. </a:t>
+            </a:r>
+            <a:br>
+              <a:rPr lang="en-US" altLang="ko-KR" sz="1400" dirty="0" smtClean="0"/>
+            </a:br>
+            <a:r>
+              <a:rPr lang="ko-KR" altLang="en-US" sz="1400" dirty="0" smtClean="0"/>
+              <a:t>이때 </a:t>
+            </a:r>
+            <a:r>
+              <a:rPr lang="ko-KR" altLang="en-US" sz="1400" dirty="0" err="1" smtClean="0"/>
+              <a:t>날짜별</a:t>
+            </a:r>
+            <a:r>
+              <a:rPr lang="ko-KR" altLang="en-US" sz="1400" dirty="0" smtClean="0"/>
+              <a:t> </a:t>
+            </a:r>
+            <a:r>
+              <a:rPr lang="ko-KR" altLang="en-US" sz="1400" dirty="0" err="1" smtClean="0"/>
+              <a:t>파일별로</a:t>
+            </a:r>
+            <a:r>
+              <a:rPr lang="ko-KR" altLang="en-US" sz="1400" dirty="0" smtClean="0"/>
+              <a:t> 저장이 가능함</a:t>
+            </a:r>
+            <a:r>
+              <a:rPr lang="en-US" altLang="ko-KR" sz="1400" dirty="0" smtClean="0"/>
+              <a:t>. </a:t>
+            </a:r>
+            <a:endParaRPr lang="en-US" altLang="ko-KR" sz="1400" dirty="0"/>
+          </a:p>
+          <a:p>
+            <a:endParaRPr lang="en-US" altLang="ko-KR" sz="1400" dirty="0" smtClean="0"/>
+          </a:p>
+        </p:txBody>
+      </p:sp>
+      <p:pic>
+        <p:nvPicPr>
+          <p:cNvPr id="6" name="그림 5" descr="shinlucky's Archive ~ 쓸만한 &lt;strong&gt;버튼&lt;/strong&gt; 모음(psd File) ~"/>
+          <p:cNvPicPr>
+            <a:picLocks noChangeAspect="1"/>
+          </p:cNvPicPr>
+          <p:nvPr/>
+        </p:nvPicPr>
+        <p:blipFill>
+          <a:blip r:embed="rId4" cstate="hqprint">
+            <a:extLst>
+              <a:ext uri="{28A0092B-C50C-407E-A947-70E740481C1C}">
+                <a14:useLocalDpi xmlns:a14="http://schemas.microsoft.com/office/drawing/2010/main" val="0"/>
+              </a:ext>
+            </a:extLst>
+          </a:blip>
+          <a:stretch>
+            <a:fillRect/>
+          </a:stretch>
+        </p:blipFill>
+        <p:spPr>
+          <a:xfrm>
+            <a:off x="1660226" y="2224182"/>
+            <a:ext cx="450372" cy="360297"/>
+          </a:xfrm>
+          <a:prstGeom prst="rect">
+            <a:avLst/>
+          </a:prstGeom>
+        </p:spPr>
+      </p:pic>
+    </p:spTree>
+    <p:extLst>
+      <p:ext uri="{BB962C8B-B14F-4D97-AF65-F5344CB8AC3E}">
+        <p14:creationId xmlns:p14="http://schemas.microsoft.com/office/powerpoint/2010/main" val="3527683425"/>
+      </p:ext>
+    </p:extLst>
+  </p:cSld>
+  <p:clrMapOvr>
+    <a:masterClrMapping/>
+  </p:clrMapOvr>
+</p:sld>
+</file>
+
+<file path=ppt/slides/slide5.xml><?xml version="1.0" encoding="utf-8"?>
+<p:sld xmlns:a="http://schemas.openxmlformats.org/drawingml/2006/main" xmlns:r="http://schemas.openxmlformats.org/officeDocument/2006/relationships" xmlns:p="http://schemas.openxmlformats.org/presentationml/2006/main">
+  <p:cSld>
+    <p:spTree>
+      <p:nvGrpSpPr>
+        <p:cNvPr id="1" name=""/>
+        <p:cNvGrpSpPr/>
+        <p:nvPr/>
+      </p:nvGrpSpPr>
+      <p:grpSpPr>
+        <a:xfrm>
+          <a:off x="0" y="0"/>
+          <a:ext cx="0" cy="0"/>
+          <a:chOff x="0" y="0"/>
+          <a:chExt cx="0" cy="0"/>
+        </a:xfrm>
+      </p:grpSpPr>
+      <p:sp>
+        <p:nvSpPr>
+          <p:cNvPr id="12" name="직사각형 11">
+            <a:extLst>
+              <a:ext uri="{FF2B5EF4-FFF2-40B4-BE49-F238E27FC236}">
+                <a16:creationId xmlns:a16="http://schemas.microsoft.com/office/drawing/2014/main" id="{84233781-F6D4-426C-8024-E3B41A94EC04}"/>
+              </a:ext>
+            </a:extLst>
+          </p:cNvPr>
+          <p:cNvSpPr/>
+          <p:nvPr/>
+        </p:nvSpPr>
+        <p:spPr>
+          <a:xfrm>
+            <a:off x="568325" y="755650"/>
+            <a:ext cx="10987643" cy="5686425"/>
+          </a:xfrm>
+          <a:prstGeom prst="rect">
+            <a:avLst/>
+          </a:prstGeom>
+          <a:solidFill>
+            <a:schemeClr val="bg1"/>
+          </a:solidFill>
+          <a:ln w="38100">
+            <a:solidFill>
+              <a:schemeClr val="tx1"/>
+            </a:solidFill>
+          </a:ln>
+        </p:spPr>
+        <p:style>
+          <a:lnRef idx="2">
+            <a:schemeClr val="accent1">
+              <a:shade val="50000"/>
+            </a:schemeClr>
+          </a:lnRef>
+          <a:fillRef idx="1">
+            <a:schemeClr val="accent1"/>
+          </a:fillRef>
+          <a:effectRef idx="0">
+            <a:schemeClr val="accent1"/>
+          </a:effectRef>
+          <a:fontRef idx="minor">
+            <a:schemeClr val="lt1"/>
+          </a:fontRef>
+        </p:style>
+        <p:txBody>
+          <a:bodyPr rtlCol="0" anchor="ctr"/>
+          <a:lstStyle/>
+          <a:p>
+            <a:pPr algn="ctr"/>
+            <a:r>
+              <a:rPr lang="ko-KR" altLang="en-US" dirty="0" err="1" smtClean="0"/>
+              <a:t>ㅇㅇㅇ</a:t>
+            </a:r>
+            <a:endParaRPr lang="ko-KR" altLang="en-US" dirty="0"/>
+          </a:p>
+        </p:txBody>
+      </p:sp>
+      <p:sp>
+        <p:nvSpPr>
+          <p:cNvPr id="3" name="부제목 2">
+            <a:extLst>
+              <a:ext uri="{FF2B5EF4-FFF2-40B4-BE49-F238E27FC236}">
+                <a16:creationId xmlns:a16="http://schemas.microsoft.com/office/drawing/2014/main" id="{674FD067-C169-49B1-B28F-6154B60AAE62}"/>
+              </a:ext>
+            </a:extLst>
+          </p:cNvPr>
+          <p:cNvSpPr>
+            <a:spLocks noGrp="1"/>
+          </p:cNvSpPr>
+          <p:nvPr>
+            <p:ph type="subTitle" idx="1"/>
+          </p:nvPr>
+        </p:nvSpPr>
+        <p:spPr>
+          <a:xfrm>
+            <a:off x="899480" y="425373"/>
+            <a:ext cx="4728839" cy="660554"/>
+          </a:xfrm>
+          <a:solidFill>
+            <a:schemeClr val="bg1"/>
+          </a:solidFill>
+          <a:ln w="34925">
+            <a:solidFill>
+              <a:schemeClr val="tx1">
+                <a:alpha val="97000"/>
+              </a:schemeClr>
+            </a:solidFill>
+          </a:ln>
+        </p:spPr>
+        <p:txBody>
+          <a:bodyPr>
+            <a:noAutofit/>
+          </a:bodyPr>
+          <a:lstStyle/>
+          <a:p>
+            <a:r>
+              <a:rPr lang="ko-KR" altLang="en-US" sz="3000" dirty="0" err="1" smtClean="0"/>
+              <a:t>통신방법</a:t>
+            </a:r>
+            <a:endParaRPr lang="ko-KR" altLang="en-US" sz="3000" dirty="0"/>
+          </a:p>
+        </p:txBody>
+      </p:sp>
+      <p:pic>
+        <p:nvPicPr>
+          <p:cNvPr id="14" name="그림 13"/>
+          <p:cNvPicPr>
+            <a:picLocks noChangeAspect="1"/>
+          </p:cNvPicPr>
+          <p:nvPr/>
+        </p:nvPicPr>
+        <p:blipFill>
+          <a:blip r:embed="rId3"/>
+          <a:stretch>
+            <a:fillRect/>
+          </a:stretch>
+        </p:blipFill>
+        <p:spPr>
+          <a:xfrm>
+            <a:off x="790724" y="1416205"/>
+            <a:ext cx="2095672" cy="2203296"/>
+          </a:xfrm>
+          <a:prstGeom prst="rect">
+            <a:avLst/>
+          </a:prstGeom>
+        </p:spPr>
+      </p:pic>
+      <p:sp>
+        <p:nvSpPr>
+          <p:cNvPr id="11" name="부제목 2">
+            <a:extLst>
+              <a:ext uri="{FF2B5EF4-FFF2-40B4-BE49-F238E27FC236}">
+                <a16:creationId xmlns:a16="http://schemas.microsoft.com/office/drawing/2014/main" id="{674FD067-C169-49B1-B28F-6154B60AAE62}"/>
+              </a:ext>
+            </a:extLst>
+          </p:cNvPr>
+          <p:cNvSpPr txBox="1">
+            <a:spLocks/>
+          </p:cNvSpPr>
+          <p:nvPr/>
+        </p:nvSpPr>
+        <p:spPr>
+          <a:xfrm>
+            <a:off x="3470670" y="1524000"/>
+            <a:ext cx="7838680" cy="4591049"/>
+          </a:xfrm>
+          <a:prstGeom prst="rect">
+            <a:avLst/>
+          </a:prstGeom>
+          <a:solidFill>
+            <a:schemeClr val="bg1"/>
+          </a:solidFill>
+          <a:ln w="34925">
+            <a:solidFill>
+              <a:schemeClr val="tx1">
+                <a:alpha val="97000"/>
+              </a:schemeClr>
+            </a:solidFill>
+          </a:ln>
+        </p:spPr>
+        <p:txBody>
+          <a:bodyPr vert="horz" lIns="91440" tIns="45720" rIns="91440" bIns="45720" rtlCol="0">
+            <a:noAutofit/>
+          </a:bodyPr>
+          <a:lstStyle>
+            <a:lvl1pPr marL="0" indent="0" algn="ctr" defTabSz="914400" rtl="0" eaLnBrk="1" latinLnBrk="1" hangingPunct="1">
+              <a:lnSpc>
+                <a:spcPct val="90000"/>
+              </a:lnSpc>
+              <a:spcBef>
+                <a:spcPts val="1000"/>
+              </a:spcBef>
+              <a:buFont typeface="Arial" panose="020B0604020202020204" pitchFamily="34" charset="0"/>
+              <a:buNone/>
+              <a:defRPr sz="2400" kern="1200">
+                <a:solidFill>
+                  <a:schemeClr val="tx1"/>
+                </a:solidFill>
+                <a:latin typeface="+mn-lt"/>
+                <a:ea typeface="+mn-ea"/>
+                <a:cs typeface="+mn-cs"/>
+              </a:defRPr>
+            </a:lvl1pPr>
+            <a:lvl2pPr marL="457200" indent="0" algn="ctr" defTabSz="914400" rtl="0" eaLnBrk="1" latinLnBrk="1" hangingPunct="1">
+              <a:lnSpc>
+                <a:spcPct val="90000"/>
+              </a:lnSpc>
+              <a:spcBef>
+                <a:spcPts val="500"/>
+              </a:spcBef>
+              <a:buFont typeface="Arial" panose="020B0604020202020204" pitchFamily="34" charset="0"/>
+              <a:buNone/>
+              <a:defRPr sz="2000" kern="1200">
+                <a:solidFill>
+                  <a:schemeClr val="tx1"/>
+                </a:solidFill>
+                <a:latin typeface="+mn-lt"/>
+                <a:ea typeface="+mn-ea"/>
+                <a:cs typeface="+mn-cs"/>
+              </a:defRPr>
+            </a:lvl2pPr>
+            <a:lvl3pPr marL="914400" indent="0" algn="ctr" defTabSz="914400" rtl="0" eaLnBrk="1" latinLnBrk="1" hangingPunct="1">
+              <a:lnSpc>
+                <a:spcPct val="90000"/>
+              </a:lnSpc>
+              <a:spcBef>
+                <a:spcPts val="500"/>
+              </a:spcBef>
+              <a:buFont typeface="Arial" panose="020B0604020202020204" pitchFamily="34" charset="0"/>
+              <a:buNone/>
+              <a:defRPr sz="1800" kern="1200">
+                <a:solidFill>
+                  <a:schemeClr val="tx1"/>
+                </a:solidFill>
+                <a:latin typeface="+mn-lt"/>
+                <a:ea typeface="+mn-ea"/>
+                <a:cs typeface="+mn-cs"/>
+              </a:defRPr>
+            </a:lvl3pPr>
+            <a:lvl4pPr marL="1371600" indent="0" algn="ctr" defTabSz="914400" rtl="0" eaLnBrk="1" latinLnBrk="1" hangingPunct="1">
+              <a:lnSpc>
+                <a:spcPct val="90000"/>
+              </a:lnSpc>
+              <a:spcBef>
+                <a:spcPts val="500"/>
+              </a:spcBef>
+              <a:buFont typeface="Arial" panose="020B0604020202020204" pitchFamily="34" charset="0"/>
+              <a:buNone/>
+              <a:defRPr sz="1600" kern="1200">
+                <a:solidFill>
+                  <a:schemeClr val="tx1"/>
+                </a:solidFill>
+                <a:latin typeface="+mn-lt"/>
+                <a:ea typeface="+mn-ea"/>
+                <a:cs typeface="+mn-cs"/>
+              </a:defRPr>
+            </a:lvl4pPr>
+            <a:lvl5pPr marL="1828800" indent="0" algn="ctr" defTabSz="914400" rtl="0" eaLnBrk="1" latinLnBrk="1" hangingPunct="1">
+              <a:lnSpc>
+                <a:spcPct val="90000"/>
+              </a:lnSpc>
+              <a:spcBef>
+                <a:spcPts val="500"/>
+              </a:spcBef>
+              <a:buFont typeface="Arial" panose="020B0604020202020204" pitchFamily="34" charset="0"/>
+              <a:buNone/>
+              <a:defRPr sz="1600" kern="1200">
+                <a:solidFill>
+                  <a:schemeClr val="tx1"/>
+                </a:solidFill>
+                <a:latin typeface="+mn-lt"/>
+                <a:ea typeface="+mn-ea"/>
+                <a:cs typeface="+mn-cs"/>
+              </a:defRPr>
+            </a:lvl5pPr>
+            <a:lvl6pPr marL="2286000" indent="0" algn="ctr" defTabSz="914400" rtl="0" eaLnBrk="1" latinLnBrk="1" hangingPunct="1">
+              <a:lnSpc>
+                <a:spcPct val="90000"/>
+              </a:lnSpc>
+              <a:spcBef>
+                <a:spcPts val="500"/>
+              </a:spcBef>
+              <a:buFont typeface="Arial" panose="020B0604020202020204" pitchFamily="34" charset="0"/>
+              <a:buNone/>
+              <a:defRPr sz="1600" kern="1200">
+                <a:solidFill>
+                  <a:schemeClr val="tx1"/>
+                </a:solidFill>
+                <a:latin typeface="+mn-lt"/>
+                <a:ea typeface="+mn-ea"/>
+                <a:cs typeface="+mn-cs"/>
+              </a:defRPr>
+            </a:lvl6pPr>
+            <a:lvl7pPr marL="2743200" indent="0" algn="ctr" defTabSz="914400" rtl="0" eaLnBrk="1" latinLnBrk="1" hangingPunct="1">
+              <a:lnSpc>
+                <a:spcPct val="90000"/>
+              </a:lnSpc>
+              <a:spcBef>
+                <a:spcPts val="500"/>
+              </a:spcBef>
+              <a:buFont typeface="Arial" panose="020B0604020202020204" pitchFamily="34" charset="0"/>
+              <a:buNone/>
+              <a:defRPr sz="1600" kern="1200">
+                <a:solidFill>
+                  <a:schemeClr val="tx1"/>
+                </a:solidFill>
+                <a:latin typeface="+mn-lt"/>
+                <a:ea typeface="+mn-ea"/>
+                <a:cs typeface="+mn-cs"/>
+              </a:defRPr>
+            </a:lvl7pPr>
+            <a:lvl8pPr marL="3200400" indent="0" algn="ctr" defTabSz="914400" rtl="0" eaLnBrk="1" latinLnBrk="1" hangingPunct="1">
+              <a:lnSpc>
+                <a:spcPct val="90000"/>
+              </a:lnSpc>
+              <a:spcBef>
+                <a:spcPts val="500"/>
+              </a:spcBef>
+              <a:buFont typeface="Arial" panose="020B0604020202020204" pitchFamily="34" charset="0"/>
+              <a:buNone/>
+              <a:defRPr sz="1600" kern="1200">
+                <a:solidFill>
+                  <a:schemeClr val="tx1"/>
+                </a:solidFill>
+                <a:latin typeface="+mn-lt"/>
+                <a:ea typeface="+mn-ea"/>
+                <a:cs typeface="+mn-cs"/>
+              </a:defRPr>
+            </a:lvl8pPr>
+            <a:lvl9pPr marL="3657600" indent="0" algn="ctr" defTabSz="914400" rtl="0" eaLnBrk="1" latinLnBrk="1" hangingPunct="1">
+              <a:lnSpc>
+                <a:spcPct val="90000"/>
+              </a:lnSpc>
+              <a:spcBef>
+                <a:spcPts val="500"/>
+              </a:spcBef>
+              <a:buFont typeface="Arial" panose="020B0604020202020204" pitchFamily="34" charset="0"/>
+              <a:buNone/>
+              <a:defRPr sz="1600" kern="1200">
+                <a:solidFill>
+                  <a:schemeClr val="tx1"/>
+                </a:solidFill>
+                <a:latin typeface="+mn-lt"/>
+                <a:ea typeface="+mn-ea"/>
+                <a:cs typeface="+mn-cs"/>
+              </a:defRPr>
+            </a:lvl9pPr>
+          </a:lstStyle>
+          <a:p>
+            <a:endParaRPr lang="en-US" altLang="ko-KR" sz="1400" dirty="0" smtClean="0"/>
+          </a:p>
+          <a:p>
+            <a:endParaRPr lang="en-US" altLang="ko-KR" sz="1400" dirty="0" smtClean="0"/>
+          </a:p>
+          <a:p>
+            <a:r>
+              <a:rPr lang="ko-KR" altLang="en-US" sz="1400" dirty="0" err="1" smtClean="0"/>
+              <a:t>아두이노에</a:t>
+            </a:r>
+            <a:r>
+              <a:rPr lang="ko-KR" altLang="en-US" sz="1400" dirty="0" smtClean="0"/>
+              <a:t> </a:t>
+            </a:r>
+            <a:r>
+              <a:rPr lang="en-US" altLang="ko-KR" sz="1400" dirty="0" err="1" smtClean="0"/>
+              <a:t>esp</a:t>
+            </a:r>
+            <a:r>
+              <a:rPr lang="ko-KR" altLang="en-US" sz="1400" dirty="0" smtClean="0"/>
+              <a:t>나 블루투스통신 모듈을 장착</a:t>
+            </a:r>
+            <a:r>
+              <a:rPr lang="en-US" altLang="ko-KR" sz="1400" dirty="0" smtClean="0"/>
+              <a:t>. </a:t>
+            </a:r>
+          </a:p>
+          <a:p>
+            <a:r>
+              <a:rPr lang="ko-KR" altLang="en-US" sz="1400" dirty="0" smtClean="0"/>
+              <a:t>통신 버튼을 누르면 통신 모듈 시작</a:t>
+            </a:r>
+            <a:r>
+              <a:rPr lang="en-US" altLang="ko-KR" sz="1400" dirty="0" smtClean="0"/>
+              <a:t>. </a:t>
+            </a:r>
+          </a:p>
+          <a:p>
+            <a:r>
+              <a:rPr lang="ko-KR" altLang="en-US" sz="1400" dirty="0" smtClean="0"/>
+              <a:t>부모에게 하루 동안 저장된 </a:t>
+            </a:r>
+            <a:r>
+              <a:rPr lang="ko-KR" altLang="en-US" sz="1400" dirty="0" err="1" smtClean="0"/>
+              <a:t>녹음파일을</a:t>
+            </a:r>
+            <a:r>
+              <a:rPr lang="ko-KR" altLang="en-US" sz="1400" dirty="0" smtClean="0"/>
+              <a:t> 보냄</a:t>
+            </a:r>
+            <a:r>
+              <a:rPr lang="en-US" altLang="ko-KR" sz="1400" dirty="0" smtClean="0"/>
+              <a:t>.</a:t>
+            </a:r>
+          </a:p>
+          <a:p>
+            <a:endParaRPr lang="en-US" altLang="ko-KR" sz="1400" dirty="0"/>
+          </a:p>
+          <a:p>
+            <a:r>
+              <a:rPr lang="ko-KR" altLang="en-US" sz="1400" dirty="0" smtClean="0"/>
+              <a:t>부모는 이를 받아 서버로 데이터를 보내고</a:t>
+            </a:r>
+            <a:r>
+              <a:rPr lang="en-US" altLang="ko-KR" sz="1400" dirty="0" smtClean="0"/>
+              <a:t>, </a:t>
+            </a:r>
+          </a:p>
+          <a:p>
+            <a:r>
+              <a:rPr lang="ko-KR" altLang="en-US" sz="1400" dirty="0" smtClean="0"/>
+              <a:t>정리된 파일을 어플리케이션으로 받음</a:t>
+            </a:r>
+            <a:r>
+              <a:rPr lang="en-US" altLang="ko-KR" sz="1400" dirty="0" smtClean="0"/>
+              <a:t>.   </a:t>
+            </a:r>
+          </a:p>
+          <a:p>
+            <a:endParaRPr lang="en-US" altLang="ko-KR" sz="1400" dirty="0" smtClean="0"/>
+          </a:p>
+          <a:p>
+            <a:endParaRPr lang="en-US" altLang="ko-KR" sz="1400" dirty="0"/>
+          </a:p>
+          <a:p>
+            <a:r>
+              <a:rPr lang="ko-KR" altLang="en-US" sz="1400" dirty="0" smtClean="0"/>
+              <a:t>약 </a:t>
+            </a:r>
+            <a:r>
+              <a:rPr lang="en-US" altLang="ko-KR" sz="1400" dirty="0" smtClean="0"/>
+              <a:t>6</a:t>
+            </a:r>
+            <a:r>
+              <a:rPr lang="ko-KR" altLang="en-US" sz="1400" dirty="0" smtClean="0"/>
+              <a:t>시간 가량의 음성파일을 텍스트로 변환</a:t>
+            </a:r>
+            <a:r>
+              <a:rPr lang="en-US" altLang="ko-KR" sz="1400" dirty="0" smtClean="0"/>
+              <a:t>, </a:t>
+            </a:r>
+            <a:r>
+              <a:rPr lang="ko-KR" altLang="en-US" sz="1400" dirty="0" smtClean="0"/>
+              <a:t>특징 추출을 하는데</a:t>
+            </a:r>
+            <a:endParaRPr lang="en-US" altLang="ko-KR" sz="1400" dirty="0" smtClean="0"/>
+          </a:p>
+          <a:p>
+            <a:r>
+              <a:rPr lang="ko-KR" altLang="en-US" sz="1400" dirty="0" smtClean="0"/>
+              <a:t>서버에서 </a:t>
+            </a:r>
+            <a:r>
+              <a:rPr lang="en-US" altLang="ko-KR" sz="1400" dirty="0" smtClean="0"/>
+              <a:t>5~10</a:t>
+            </a:r>
+            <a:r>
+              <a:rPr lang="ko-KR" altLang="en-US" sz="1400" dirty="0" err="1" smtClean="0"/>
+              <a:t>분가량</a:t>
+            </a:r>
+            <a:r>
+              <a:rPr lang="ko-KR" altLang="en-US" sz="1400" dirty="0" smtClean="0"/>
+              <a:t> 소요된다고 함</a:t>
+            </a:r>
+            <a:r>
+              <a:rPr lang="en-US" altLang="ko-KR" sz="1400" dirty="0" smtClean="0"/>
+              <a:t>. </a:t>
+            </a:r>
+            <a:endParaRPr lang="en-US" altLang="ko-KR" sz="1400" dirty="0"/>
+          </a:p>
+        </p:txBody>
+      </p:sp>
+      <p:pic>
+        <p:nvPicPr>
+          <p:cNvPr id="6" name="그림 5" descr="shinlucky's Archive ~ 쓸만한 &lt;strong&gt;버튼&lt;/strong&gt; 모음(psd File) ~"/>
+          <p:cNvPicPr>
+            <a:picLocks noChangeAspect="1"/>
+          </p:cNvPicPr>
+          <p:nvPr/>
+        </p:nvPicPr>
+        <p:blipFill>
+          <a:blip r:embed="rId4" cstate="hqprint">
+            <a:extLst>
+              <a:ext uri="{28A0092B-C50C-407E-A947-70E740481C1C}">
+                <a14:useLocalDpi xmlns:a14="http://schemas.microsoft.com/office/drawing/2010/main" val="0"/>
+              </a:ext>
+            </a:extLst>
+          </a:blip>
+          <a:stretch>
+            <a:fillRect/>
+          </a:stretch>
+        </p:blipFill>
+        <p:spPr>
+          <a:xfrm>
+            <a:off x="1660226" y="2224182"/>
+            <a:ext cx="450372" cy="360297"/>
+          </a:xfrm>
+          <a:prstGeom prst="rect">
+            <a:avLst/>
+          </a:prstGeom>
+        </p:spPr>
+      </p:pic>
+    </p:spTree>
+    <p:extLst>
+      <p:ext uri="{BB962C8B-B14F-4D97-AF65-F5344CB8AC3E}">
+        <p14:creationId xmlns:p14="http://schemas.microsoft.com/office/powerpoint/2010/main" val="2110612812"/>
+      </p:ext>
+    </p:extLst>
+  </p:cSld>
+  <p:clrMapOvr>
+    <a:masterClrMapping/>
+  </p:clrMapOvr>
+</p:sld>
+</file>
+
+<file path=ppt/slides/slide6.xml><?xml version="1.0" encoding="utf-8"?>
+<p:sld xmlns:a="http://schemas.openxmlformats.org/drawingml/2006/main" xmlns:r="http://schemas.openxmlformats.org/officeDocument/2006/relationships" xmlns:p="http://schemas.openxmlformats.org/presentationml/2006/main">
+  <p:cSld>
+    <p:spTree>
+      <p:nvGrpSpPr>
+        <p:cNvPr id="1" name=""/>
+        <p:cNvGrpSpPr/>
+        <p:nvPr/>
+      </p:nvGrpSpPr>
+      <p:grpSpPr>
+        <a:xfrm>
+          <a:off x="0" y="0"/>
+          <a:ext cx="0" cy="0"/>
+          <a:chOff x="0" y="0"/>
+          <a:chExt cx="0" cy="0"/>
+        </a:xfrm>
+      </p:grpSpPr>
+      <p:sp>
+        <p:nvSpPr>
+          <p:cNvPr id="12" name="직사각형 11">
+            <a:extLst>
+              <a:ext uri="{FF2B5EF4-FFF2-40B4-BE49-F238E27FC236}">
+                <a16:creationId xmlns:a16="http://schemas.microsoft.com/office/drawing/2014/main" id="{84233781-F6D4-426C-8024-E3B41A94EC04}"/>
+              </a:ext>
+            </a:extLst>
+          </p:cNvPr>
+          <p:cNvSpPr/>
+          <p:nvPr/>
+        </p:nvSpPr>
+        <p:spPr>
+          <a:xfrm>
+            <a:off x="568325" y="755650"/>
+            <a:ext cx="10987643" cy="5686425"/>
+          </a:xfrm>
+          <a:prstGeom prst="rect">
+            <a:avLst/>
+          </a:prstGeom>
+          <a:solidFill>
+            <a:schemeClr val="bg1"/>
+          </a:solidFill>
+          <a:ln w="38100">
+            <a:solidFill>
+              <a:schemeClr val="tx1"/>
+            </a:solidFill>
+          </a:ln>
+        </p:spPr>
+        <p:style>
+          <a:lnRef idx="2">
+            <a:schemeClr val="accent1">
+              <a:shade val="50000"/>
+            </a:schemeClr>
+          </a:lnRef>
+          <a:fillRef idx="1">
+            <a:schemeClr val="accent1"/>
+          </a:fillRef>
+          <a:effectRef idx="0">
+            <a:schemeClr val="accent1"/>
+          </a:effectRef>
+          <a:fontRef idx="minor">
+            <a:schemeClr val="lt1"/>
+          </a:fontRef>
+        </p:style>
+        <p:txBody>
+          <a:bodyPr rtlCol="0" anchor="ctr"/>
+          <a:lstStyle/>
+          <a:p>
+            <a:pPr algn="ctr"/>
+            <a:r>
+              <a:rPr lang="ko-KR" altLang="en-US" dirty="0" err="1" smtClean="0"/>
+              <a:t>ㅇㅇㅇ</a:t>
+            </a:r>
+            <a:endParaRPr lang="ko-KR" altLang="en-US" dirty="0"/>
+          </a:p>
+        </p:txBody>
+      </p:sp>
+      <p:sp>
+        <p:nvSpPr>
+          <p:cNvPr id="3" name="부제목 2">
+            <a:extLst>
+              <a:ext uri="{FF2B5EF4-FFF2-40B4-BE49-F238E27FC236}">
+                <a16:creationId xmlns:a16="http://schemas.microsoft.com/office/drawing/2014/main" id="{674FD067-C169-49B1-B28F-6154B60AAE62}"/>
+              </a:ext>
+            </a:extLst>
+          </p:cNvPr>
+          <p:cNvSpPr>
+            <a:spLocks noGrp="1"/>
+          </p:cNvSpPr>
+          <p:nvPr>
+            <p:ph type="subTitle" idx="1"/>
+          </p:nvPr>
+        </p:nvSpPr>
+        <p:spPr>
+          <a:xfrm>
+            <a:off x="899480" y="425373"/>
+            <a:ext cx="4728839" cy="660554"/>
+          </a:xfrm>
+          <a:solidFill>
+            <a:schemeClr val="bg1"/>
+          </a:solidFill>
+          <a:ln w="34925">
+            <a:solidFill>
+              <a:schemeClr val="tx1">
+                <a:alpha val="97000"/>
+              </a:schemeClr>
+            </a:solidFill>
+          </a:ln>
+        </p:spPr>
+        <p:txBody>
+          <a:bodyPr>
+            <a:noAutofit/>
+          </a:bodyPr>
+          <a:lstStyle/>
+          <a:p>
+            <a:r>
+              <a:rPr lang="ko-KR" altLang="en-US" sz="3000" dirty="0" smtClean="0"/>
+              <a:t>결론</a:t>
+            </a:r>
+            <a:endParaRPr lang="ko-KR" altLang="en-US" sz="3000" dirty="0"/>
+          </a:p>
+        </p:txBody>
+      </p:sp>
+      <p:pic>
+        <p:nvPicPr>
+          <p:cNvPr id="14" name="그림 13"/>
+          <p:cNvPicPr>
+            <a:picLocks noChangeAspect="1"/>
+          </p:cNvPicPr>
+          <p:nvPr/>
+        </p:nvPicPr>
+        <p:blipFill>
+          <a:blip r:embed="rId3"/>
+          <a:stretch>
+            <a:fillRect/>
+          </a:stretch>
+        </p:blipFill>
+        <p:spPr>
+          <a:xfrm>
+            <a:off x="790724" y="1416205"/>
+            <a:ext cx="2095672" cy="2203296"/>
+          </a:xfrm>
+          <a:prstGeom prst="rect">
+            <a:avLst/>
+          </a:prstGeom>
+        </p:spPr>
+      </p:pic>
+      <p:sp>
+        <p:nvSpPr>
+          <p:cNvPr id="11" name="부제목 2">
+            <a:extLst>
+              <a:ext uri="{FF2B5EF4-FFF2-40B4-BE49-F238E27FC236}">
+                <a16:creationId xmlns:a16="http://schemas.microsoft.com/office/drawing/2014/main" id="{674FD067-C169-49B1-B28F-6154B60AAE62}"/>
+              </a:ext>
+            </a:extLst>
+          </p:cNvPr>
+          <p:cNvSpPr txBox="1">
+            <a:spLocks/>
+          </p:cNvSpPr>
+          <p:nvPr/>
+        </p:nvSpPr>
+        <p:spPr>
+          <a:xfrm>
+            <a:off x="3470670" y="1524000"/>
+            <a:ext cx="7838680" cy="4591049"/>
+          </a:xfrm>
+          <a:prstGeom prst="rect">
+            <a:avLst/>
+          </a:prstGeom>
+          <a:solidFill>
+            <a:schemeClr val="bg1"/>
+          </a:solidFill>
+          <a:ln w="34925">
+            <a:solidFill>
+              <a:schemeClr val="tx1">
+                <a:alpha val="97000"/>
+              </a:schemeClr>
+            </a:solidFill>
+          </a:ln>
+        </p:spPr>
+        <p:txBody>
+          <a:bodyPr vert="horz" lIns="91440" tIns="45720" rIns="91440" bIns="45720" rtlCol="0">
+            <a:noAutofit/>
+          </a:bodyPr>
+          <a:lstStyle>
+            <a:lvl1pPr marL="0" indent="0" algn="ctr" defTabSz="914400" rtl="0" eaLnBrk="1" latinLnBrk="1" hangingPunct="1">
+              <a:lnSpc>
+                <a:spcPct val="90000"/>
+              </a:lnSpc>
+              <a:spcBef>
+                <a:spcPts val="1000"/>
+              </a:spcBef>
+              <a:buFont typeface="Arial" panose="020B0604020202020204" pitchFamily="34" charset="0"/>
+              <a:buNone/>
+              <a:defRPr sz="2400" kern="1200">
+                <a:solidFill>
+                  <a:schemeClr val="tx1"/>
+                </a:solidFill>
+                <a:latin typeface="+mn-lt"/>
+                <a:ea typeface="+mn-ea"/>
+                <a:cs typeface="+mn-cs"/>
+              </a:defRPr>
+            </a:lvl1pPr>
+            <a:lvl2pPr marL="457200" indent="0" algn="ctr" defTabSz="914400" rtl="0" eaLnBrk="1" latinLnBrk="1" hangingPunct="1">
+              <a:lnSpc>
+                <a:spcPct val="90000"/>
+              </a:lnSpc>
+              <a:spcBef>
+                <a:spcPts val="500"/>
+              </a:spcBef>
+              <a:buFont typeface="Arial" panose="020B0604020202020204" pitchFamily="34" charset="0"/>
+              <a:buNone/>
+              <a:defRPr sz="2000" kern="1200">
+                <a:solidFill>
+                  <a:schemeClr val="tx1"/>
+                </a:solidFill>
+                <a:latin typeface="+mn-lt"/>
+                <a:ea typeface="+mn-ea"/>
+                <a:cs typeface="+mn-cs"/>
+              </a:defRPr>
+            </a:lvl2pPr>
+            <a:lvl3pPr marL="914400" indent="0" algn="ctr" defTabSz="914400" rtl="0" eaLnBrk="1" latinLnBrk="1" hangingPunct="1">
+              <a:lnSpc>
+                <a:spcPct val="90000"/>
+              </a:lnSpc>
+              <a:spcBef>
+                <a:spcPts val="500"/>
+              </a:spcBef>
+              <a:buFont typeface="Arial" panose="020B0604020202020204" pitchFamily="34" charset="0"/>
+              <a:buNone/>
+              <a:defRPr sz="1800" kern="1200">
+                <a:solidFill>
+                  <a:schemeClr val="tx1"/>
+                </a:solidFill>
+                <a:latin typeface="+mn-lt"/>
+                <a:ea typeface="+mn-ea"/>
+                <a:cs typeface="+mn-cs"/>
+              </a:defRPr>
+            </a:lvl3pPr>
+            <a:lvl4pPr marL="1371600" indent="0" algn="ctr" defTabSz="914400" rtl="0" eaLnBrk="1" latinLnBrk="1" hangingPunct="1">
+              <a:lnSpc>
+                <a:spcPct val="90000"/>
+              </a:lnSpc>
+              <a:spcBef>
+                <a:spcPts val="500"/>
+              </a:spcBef>
+              <a:buFont typeface="Arial" panose="020B0604020202020204" pitchFamily="34" charset="0"/>
+              <a:buNone/>
+              <a:defRPr sz="1600" kern="1200">
+                <a:solidFill>
+                  <a:schemeClr val="tx1"/>
+                </a:solidFill>
+                <a:latin typeface="+mn-lt"/>
+                <a:ea typeface="+mn-ea"/>
+                <a:cs typeface="+mn-cs"/>
+              </a:defRPr>
+            </a:lvl4pPr>
+            <a:lvl5pPr marL="1828800" indent="0" algn="ctr" defTabSz="914400" rtl="0" eaLnBrk="1" latinLnBrk="1" hangingPunct="1">
+              <a:lnSpc>
+                <a:spcPct val="90000"/>
+              </a:lnSpc>
+              <a:spcBef>
+                <a:spcPts val="500"/>
+              </a:spcBef>
+              <a:buFont typeface="Arial" panose="020B0604020202020204" pitchFamily="34" charset="0"/>
+              <a:buNone/>
+              <a:defRPr sz="1600" kern="1200">
+                <a:solidFill>
+                  <a:schemeClr val="tx1"/>
+                </a:solidFill>
+                <a:latin typeface="+mn-lt"/>
+                <a:ea typeface="+mn-ea"/>
+                <a:cs typeface="+mn-cs"/>
+              </a:defRPr>
+            </a:lvl5pPr>
+            <a:lvl6pPr marL="2286000" indent="0" algn="ctr" defTabSz="914400" rtl="0" eaLnBrk="1" latinLnBrk="1" hangingPunct="1">
+              <a:lnSpc>
+                <a:spcPct val="90000"/>
+              </a:lnSpc>
+              <a:spcBef>
+                <a:spcPts val="500"/>
+              </a:spcBef>
+              <a:buFont typeface="Arial" panose="020B0604020202020204" pitchFamily="34" charset="0"/>
+              <a:buNone/>
+              <a:defRPr sz="1600" kern="1200">
+                <a:solidFill>
+                  <a:schemeClr val="tx1"/>
+                </a:solidFill>
+                <a:latin typeface="+mn-lt"/>
+                <a:ea typeface="+mn-ea"/>
+                <a:cs typeface="+mn-cs"/>
+              </a:defRPr>
+            </a:lvl6pPr>
+            <a:lvl7pPr marL="2743200" indent="0" algn="ctr" defTabSz="914400" rtl="0" eaLnBrk="1" latinLnBrk="1" hangingPunct="1">
+              <a:lnSpc>
+                <a:spcPct val="90000"/>
+              </a:lnSpc>
+              <a:spcBef>
+                <a:spcPts val="500"/>
+              </a:spcBef>
+              <a:buFont typeface="Arial" panose="020B0604020202020204" pitchFamily="34" charset="0"/>
+              <a:buNone/>
+              <a:defRPr sz="1600" kern="1200">
+                <a:solidFill>
+                  <a:schemeClr val="tx1"/>
+                </a:solidFill>
+                <a:latin typeface="+mn-lt"/>
+                <a:ea typeface="+mn-ea"/>
+                <a:cs typeface="+mn-cs"/>
+              </a:defRPr>
+            </a:lvl7pPr>
+            <a:lvl8pPr marL="3200400" indent="0" algn="ctr" defTabSz="914400" rtl="0" eaLnBrk="1" latinLnBrk="1" hangingPunct="1">
+              <a:lnSpc>
+                <a:spcPct val="90000"/>
+              </a:lnSpc>
+              <a:spcBef>
+                <a:spcPts val="500"/>
+              </a:spcBef>
+              <a:buFont typeface="Arial" panose="020B0604020202020204" pitchFamily="34" charset="0"/>
+              <a:buNone/>
+              <a:defRPr sz="1600" kern="1200">
+                <a:solidFill>
+                  <a:schemeClr val="tx1"/>
+                </a:solidFill>
+                <a:latin typeface="+mn-lt"/>
+                <a:ea typeface="+mn-ea"/>
+                <a:cs typeface="+mn-cs"/>
+              </a:defRPr>
+            </a:lvl8pPr>
+            <a:lvl9pPr marL="3657600" indent="0" algn="ctr" defTabSz="914400" rtl="0" eaLnBrk="1" latinLnBrk="1" hangingPunct="1">
+              <a:lnSpc>
+                <a:spcPct val="90000"/>
+              </a:lnSpc>
+              <a:spcBef>
+                <a:spcPts val="500"/>
+              </a:spcBef>
+              <a:buFont typeface="Arial" panose="020B0604020202020204" pitchFamily="34" charset="0"/>
+              <a:buNone/>
+              <a:defRPr sz="1600" kern="1200">
+                <a:solidFill>
+                  <a:schemeClr val="tx1"/>
+                </a:solidFill>
+                <a:latin typeface="+mn-lt"/>
+                <a:ea typeface="+mn-ea"/>
+                <a:cs typeface="+mn-cs"/>
+              </a:defRPr>
+            </a:lvl9pPr>
+          </a:lstStyle>
+          <a:p>
+            <a:endParaRPr lang="en-US" altLang="ko-KR" sz="1400" dirty="0" smtClean="0"/>
+          </a:p>
+          <a:p>
+            <a:r>
+              <a:rPr lang="ko-KR" altLang="en-US" sz="1400" dirty="0" smtClean="0"/>
+              <a:t>하드웨어에서 음성인식은 통신이 필요하기 때문에 많은 단점을 가지고 있음</a:t>
+            </a:r>
+            <a:r>
+              <a:rPr lang="en-US" altLang="ko-KR" sz="1400" dirty="0" smtClean="0"/>
+              <a:t>.</a:t>
+            </a:r>
+            <a:r>
+              <a:rPr lang="ko-KR" altLang="en-US" sz="1400" dirty="0" smtClean="0"/>
+              <a:t> </a:t>
+            </a:r>
+            <a:endParaRPr lang="en-US" altLang="ko-KR" sz="1400" dirty="0" smtClean="0"/>
+          </a:p>
+          <a:p>
+            <a:r>
+              <a:rPr lang="ko-KR" altLang="en-US" sz="1400" dirty="0" err="1" smtClean="0"/>
+              <a:t>베터리소모</a:t>
+            </a:r>
+            <a:r>
+              <a:rPr lang="en-US" altLang="ko-KR" sz="1400" dirty="0" smtClean="0"/>
+              <a:t>, </a:t>
+            </a:r>
+            <a:r>
+              <a:rPr lang="ko-KR" altLang="en-US" sz="1400" dirty="0" smtClean="0"/>
+              <a:t>인터넷 연결이 무조건 </a:t>
+            </a:r>
+            <a:r>
+              <a:rPr lang="ko-KR" altLang="en-US" sz="1400" dirty="0" err="1" smtClean="0"/>
+              <a:t>되야함</a:t>
+            </a:r>
+            <a:r>
+              <a:rPr lang="en-US" altLang="ko-KR" sz="1400" dirty="0" smtClean="0"/>
+              <a:t>. </a:t>
+            </a:r>
+          </a:p>
+          <a:p>
+            <a:endParaRPr lang="en-US" altLang="ko-KR" sz="1400" dirty="0"/>
+          </a:p>
+          <a:p>
+            <a:r>
+              <a:rPr lang="ko-KR" altLang="en-US" sz="1400" dirty="0" smtClean="0"/>
+              <a:t>센서 값 또한 마찬가지라고 생각</a:t>
+            </a:r>
+            <a:endParaRPr lang="en-US" altLang="ko-KR" sz="1400" dirty="0" smtClean="0"/>
+          </a:p>
+          <a:p>
+            <a:r>
+              <a:rPr lang="en-US" altLang="ko-KR" sz="1400" dirty="0" smtClean="0"/>
+              <a:t>-&gt; </a:t>
+            </a:r>
+            <a:r>
+              <a:rPr lang="ko-KR" altLang="en-US" sz="1400" dirty="0" smtClean="0"/>
+              <a:t>센서가 언제 올라갔고 내려갔는지 저장할 필요가 있음</a:t>
+            </a:r>
+            <a:r>
+              <a:rPr lang="en-US" altLang="ko-KR" sz="1400" dirty="0" smtClean="0"/>
+              <a:t>. </a:t>
+            </a:r>
+            <a:r>
+              <a:rPr lang="ko-KR" altLang="en-US" sz="1400" dirty="0" smtClean="0"/>
+              <a:t>많은 리즈가 필요</a:t>
+            </a:r>
+            <a:r>
+              <a:rPr lang="en-US" altLang="ko-KR" sz="1400" dirty="0" smtClean="0"/>
+              <a:t>.</a:t>
+            </a:r>
+            <a:r>
+              <a:rPr lang="ko-KR" altLang="en-US" sz="1400" dirty="0" smtClean="0"/>
+              <a:t> </a:t>
+            </a:r>
+            <a:endParaRPr lang="en-US" altLang="ko-KR" sz="1400" dirty="0" smtClean="0"/>
+          </a:p>
+          <a:p>
+            <a:r>
+              <a:rPr lang="en-US" altLang="ko-KR" sz="1400" dirty="0" smtClean="0"/>
+              <a:t>. </a:t>
+            </a:r>
+            <a:r>
+              <a:rPr lang="ko-KR" altLang="en-US" sz="1400" dirty="0" smtClean="0"/>
+              <a:t>그렇기때문에 하드웨어는 녹음만 하는게 낫다고 판단</a:t>
+            </a:r>
+            <a:r>
+              <a:rPr lang="en-US" altLang="ko-KR" sz="1400" dirty="0" smtClean="0"/>
+              <a:t>. </a:t>
+            </a:r>
+          </a:p>
+          <a:p>
+            <a:endParaRPr lang="en-US" altLang="ko-KR" sz="1400" dirty="0"/>
+          </a:p>
+          <a:p>
+            <a:r>
+              <a:rPr lang="ko-KR" altLang="en-US" sz="1400" dirty="0" smtClean="0"/>
+              <a:t>하드웨어는 녹음만 하고</a:t>
+            </a:r>
+            <a:r>
+              <a:rPr lang="en-US" altLang="ko-KR" sz="1400" dirty="0" smtClean="0"/>
+              <a:t>, </a:t>
+            </a:r>
+            <a:r>
+              <a:rPr lang="ko-KR" altLang="en-US" sz="1400" dirty="0" smtClean="0"/>
+              <a:t>부모의 폰과 연결하면 그 </a:t>
+            </a:r>
+            <a:r>
+              <a:rPr lang="ko-KR" altLang="en-US" sz="1400" dirty="0" err="1" smtClean="0"/>
+              <a:t>녹음파일을</a:t>
+            </a:r>
+            <a:r>
+              <a:rPr lang="ko-KR" altLang="en-US" sz="1400" dirty="0" smtClean="0"/>
+              <a:t> 보내는 것으로만 생각함</a:t>
+            </a:r>
+            <a:r>
+              <a:rPr lang="en-US" altLang="ko-KR" sz="1400" dirty="0" smtClean="0"/>
+              <a:t>. </a:t>
+            </a:r>
+          </a:p>
+          <a:p>
+            <a:r>
+              <a:rPr lang="ko-KR" altLang="en-US" sz="1400" dirty="0" err="1" smtClean="0"/>
+              <a:t>녹음파일의</a:t>
+            </a:r>
+            <a:r>
+              <a:rPr lang="ko-KR" altLang="en-US" sz="1400" dirty="0" smtClean="0"/>
+              <a:t> 저장은 저장용량을 생각해 </a:t>
+            </a:r>
+            <a:r>
+              <a:rPr lang="en-US" altLang="ko-KR" sz="1400" dirty="0" smtClean="0"/>
+              <a:t>1~2</a:t>
+            </a:r>
+            <a:r>
+              <a:rPr lang="ko-KR" altLang="en-US" sz="1400" smtClean="0"/>
+              <a:t>일이 적당하다고 생각</a:t>
+            </a:r>
+            <a:r>
+              <a:rPr lang="en-US" altLang="ko-KR" sz="1400" smtClean="0"/>
+              <a:t>.</a:t>
+            </a:r>
+            <a:endParaRPr lang="en-US" altLang="ko-KR" sz="1400" dirty="0" smtClean="0"/>
+          </a:p>
+        </p:txBody>
+      </p:sp>
+      <p:pic>
+        <p:nvPicPr>
+          <p:cNvPr id="6" name="그림 5" descr="shinlucky's Archive ~ 쓸만한 &lt;strong&gt;버튼&lt;/strong&gt; 모음(psd File) ~"/>
+          <p:cNvPicPr>
+            <a:picLocks noChangeAspect="1"/>
+          </p:cNvPicPr>
+          <p:nvPr/>
+        </p:nvPicPr>
+        <p:blipFill>
+          <a:blip r:embed="rId4" cstate="hqprint">
+            <a:extLst>
+              <a:ext uri="{28A0092B-C50C-407E-A947-70E740481C1C}">
+                <a14:useLocalDpi xmlns:a14="http://schemas.microsoft.com/office/drawing/2010/main" val="0"/>
+              </a:ext>
+            </a:extLst>
+          </a:blip>
+          <a:stretch>
+            <a:fillRect/>
+          </a:stretch>
+        </p:blipFill>
+        <p:spPr>
+          <a:xfrm>
+            <a:off x="1660226" y="2224182"/>
+            <a:ext cx="450372" cy="360297"/>
+          </a:xfrm>
+          <a:prstGeom prst="rect">
+            <a:avLst/>
+          </a:prstGeom>
+        </p:spPr>
+      </p:pic>
+    </p:spTree>
+    <p:extLst>
+      <p:ext uri="{BB962C8B-B14F-4D97-AF65-F5344CB8AC3E}">
+        <p14:creationId xmlns:p14="http://schemas.microsoft.com/office/powerpoint/2010/main" val="3206457262"/>
       </p:ext>
     </p:extLst>
   </p:cSld>
